--- a/paper/sigmod2016/figs/structures.pptx
+++ b/paper/sigmod2016/figs/structures.pptx
@@ -293,7 +293,7 @@
           <a:p>
             <a:fld id="{2A3C5F88-9950-2441-8A51-A5268CD91903}" type="datetimeFigureOut">
               <a:rPr lang="en-US" smtClean="0"/>
-              <a:t>11/5/15</a:t>
+              <a:t>11/11/15</a:t>
             </a:fld>
             <a:endParaRPr lang="en-US"/>
           </a:p>
@@ -463,7 +463,7 @@
           <a:p>
             <a:fld id="{2A3C5F88-9950-2441-8A51-A5268CD91903}" type="datetimeFigureOut">
               <a:rPr lang="en-US" smtClean="0"/>
-              <a:t>11/5/15</a:t>
+              <a:t>11/11/15</a:t>
             </a:fld>
             <a:endParaRPr lang="en-US"/>
           </a:p>
@@ -643,7 +643,7 @@
           <a:p>
             <a:fld id="{2A3C5F88-9950-2441-8A51-A5268CD91903}" type="datetimeFigureOut">
               <a:rPr lang="en-US" smtClean="0"/>
-              <a:t>11/5/15</a:t>
+              <a:t>11/11/15</a:t>
             </a:fld>
             <a:endParaRPr lang="en-US"/>
           </a:p>
@@ -813,7 +813,7 @@
           <a:p>
             <a:fld id="{2A3C5F88-9950-2441-8A51-A5268CD91903}" type="datetimeFigureOut">
               <a:rPr lang="en-US" smtClean="0"/>
-              <a:t>11/5/15</a:t>
+              <a:t>11/11/15</a:t>
             </a:fld>
             <a:endParaRPr lang="en-US"/>
           </a:p>
@@ -1059,7 +1059,7 @@
           <a:p>
             <a:fld id="{2A3C5F88-9950-2441-8A51-A5268CD91903}" type="datetimeFigureOut">
               <a:rPr lang="en-US" smtClean="0"/>
-              <a:t>11/5/15</a:t>
+              <a:t>11/11/15</a:t>
             </a:fld>
             <a:endParaRPr lang="en-US"/>
           </a:p>
@@ -1347,7 +1347,7 @@
           <a:p>
             <a:fld id="{2A3C5F88-9950-2441-8A51-A5268CD91903}" type="datetimeFigureOut">
               <a:rPr lang="en-US" smtClean="0"/>
-              <a:t>11/5/15</a:t>
+              <a:t>11/11/15</a:t>
             </a:fld>
             <a:endParaRPr lang="en-US"/>
           </a:p>
@@ -1769,7 +1769,7 @@
           <a:p>
             <a:fld id="{2A3C5F88-9950-2441-8A51-A5268CD91903}" type="datetimeFigureOut">
               <a:rPr lang="en-US" smtClean="0"/>
-              <a:t>11/5/15</a:t>
+              <a:t>11/11/15</a:t>
             </a:fld>
             <a:endParaRPr lang="en-US"/>
           </a:p>
@@ -1887,7 +1887,7 @@
           <a:p>
             <a:fld id="{2A3C5F88-9950-2441-8A51-A5268CD91903}" type="datetimeFigureOut">
               <a:rPr lang="en-US" smtClean="0"/>
-              <a:t>11/5/15</a:t>
+              <a:t>11/11/15</a:t>
             </a:fld>
             <a:endParaRPr lang="en-US"/>
           </a:p>
@@ -1982,7 +1982,7 @@
           <a:p>
             <a:fld id="{2A3C5F88-9950-2441-8A51-A5268CD91903}" type="datetimeFigureOut">
               <a:rPr lang="en-US" smtClean="0"/>
-              <a:t>11/5/15</a:t>
+              <a:t>11/11/15</a:t>
             </a:fld>
             <a:endParaRPr lang="en-US"/>
           </a:p>
@@ -2259,7 +2259,7 @@
           <a:p>
             <a:fld id="{2A3C5F88-9950-2441-8A51-A5268CD91903}" type="datetimeFigureOut">
               <a:rPr lang="en-US" smtClean="0"/>
-              <a:t>11/5/15</a:t>
+              <a:t>11/11/15</a:t>
             </a:fld>
             <a:endParaRPr lang="en-US"/>
           </a:p>
@@ -2512,7 +2512,7 @@
           <a:p>
             <a:fld id="{2A3C5F88-9950-2441-8A51-A5268CD91903}" type="datetimeFigureOut">
               <a:rPr lang="en-US" smtClean="0"/>
-              <a:t>11/5/15</a:t>
+              <a:t>11/11/15</a:t>
             </a:fld>
             <a:endParaRPr lang="en-US"/>
           </a:p>
@@ -2725,7 +2725,7 @@
           <a:p>
             <a:fld id="{2A3C5F88-9950-2441-8A51-A5268CD91903}" type="datetimeFigureOut">
               <a:rPr lang="en-US" smtClean="0"/>
-              <a:t>11/5/15</a:t>
+              <a:t>11/11/15</a:t>
             </a:fld>
             <a:endParaRPr lang="en-US"/>
           </a:p>
@@ -5454,11 +5454,7 @@
           <a:p>
             <a:r>
               <a:rPr lang="en-US" dirty="0" smtClean="0"/>
-              <a:t>[2010, </a:t>
-            </a:r>
-            <a:r>
-              <a:rPr lang="en-US" dirty="0" smtClean="0"/>
-              <a:t>2011)</a:t>
+              <a:t>[2010, 2011)</a:t>
             </a:r>
             <a:endParaRPr lang="en-US" dirty="0"/>
           </a:p>
@@ -5490,7 +5486,6 @@
               <a:rPr lang="en-US" dirty="0"/>
               <a:t>3</a:t>
             </a:r>
-            <a:endParaRPr lang="en-US" dirty="0"/>
           </a:p>
         </p:txBody>
       </p:sp>
@@ -5520,7 +5515,6 @@
               <a:rPr lang="en-US" dirty="0"/>
               <a:t>4</a:t>
             </a:r>
-            <a:endParaRPr lang="en-US" dirty="0"/>
           </a:p>
         </p:txBody>
       </p:sp>
@@ -5640,7 +5634,6 @@
               <a:rPr lang="en-US" dirty="0"/>
               <a:t>3</a:t>
             </a:r>
-            <a:endParaRPr lang="en-US" dirty="0"/>
           </a:p>
         </p:txBody>
       </p:sp>
@@ -5922,7 +5915,7 @@
         </p:nvGrpSpPr>
         <p:grpSpPr>
           <a:xfrm>
-            <a:off x="4095353" y="1014450"/>
+            <a:off x="2296121" y="1533881"/>
             <a:ext cx="402336" cy="419140"/>
             <a:chOff x="2941562" y="2797709"/>
             <a:chExt cx="402336" cy="419140"/>
@@ -6011,7 +6004,7 @@
         </p:nvGrpSpPr>
         <p:grpSpPr>
           <a:xfrm>
-            <a:off x="6394281" y="1031107"/>
+            <a:off x="4595049" y="1550538"/>
             <a:ext cx="402336" cy="419140"/>
             <a:chOff x="2941562" y="2797709"/>
             <a:chExt cx="402336" cy="419140"/>
@@ -6103,7 +6096,7 @@
         </p:nvCxnSpPr>
         <p:spPr>
           <a:xfrm>
-            <a:off x="4489557" y="2352971"/>
+            <a:off x="2690325" y="2872402"/>
             <a:ext cx="1904724" cy="16657"/>
           </a:xfrm>
           <a:prstGeom prst="straightConnector1">
@@ -6140,7 +6133,7 @@
         </p:nvGrpSpPr>
         <p:grpSpPr>
           <a:xfrm>
-            <a:off x="4087221" y="2135072"/>
+            <a:off x="2287989" y="2654503"/>
             <a:ext cx="402336" cy="419140"/>
             <a:chOff x="2941562" y="2797709"/>
             <a:chExt cx="402336" cy="419140"/>
@@ -6229,7 +6222,7 @@
         </p:nvGrpSpPr>
         <p:grpSpPr>
           <a:xfrm>
-            <a:off x="6394281" y="2151729"/>
+            <a:off x="4595049" y="2671160"/>
             <a:ext cx="402336" cy="419140"/>
             <a:chOff x="2941562" y="2797709"/>
             <a:chExt cx="402336" cy="419140"/>
@@ -6318,7 +6311,7 @@
         </p:nvGrpSpPr>
         <p:grpSpPr>
           <a:xfrm>
-            <a:off x="4095353" y="3381728"/>
+            <a:off x="2296121" y="3901159"/>
             <a:ext cx="402336" cy="419140"/>
             <a:chOff x="2941562" y="2797709"/>
             <a:chExt cx="402336" cy="419140"/>
@@ -6410,7 +6403,7 @@
         </p:nvCxnSpPr>
         <p:spPr>
           <a:xfrm flipH="1">
-            <a:off x="4281834" y="2554212"/>
+            <a:off x="2482602" y="3073643"/>
             <a:ext cx="6555" cy="827516"/>
           </a:xfrm>
           <a:prstGeom prst="straightConnector1">
@@ -6450,7 +6443,7 @@
         </p:nvCxnSpPr>
         <p:spPr>
           <a:xfrm>
-            <a:off x="6595449" y="1450247"/>
+            <a:off x="4796217" y="1969678"/>
             <a:ext cx="0" cy="718139"/>
           </a:xfrm>
           <a:prstGeom prst="straightConnector1">
@@ -6490,7 +6483,7 @@
         </p:nvCxnSpPr>
         <p:spPr>
           <a:xfrm flipH="1">
-            <a:off x="4288389" y="1433590"/>
+            <a:off x="2489157" y="1953021"/>
             <a:ext cx="8132" cy="718139"/>
           </a:xfrm>
           <a:prstGeom prst="straightConnector1">
@@ -6519,384 +6512,6 @@
           </a:fontRef>
         </p:style>
       </p:cxnSp>
-      <p:sp>
-        <p:nvSpPr>
-          <p:cNvPr id="134" name="TextBox 133"/>
-          <p:cNvSpPr txBox="1"/>
-          <p:nvPr/>
-        </p:nvSpPr>
-        <p:spPr>
-          <a:xfrm>
-            <a:off x="2356788" y="762355"/>
-            <a:ext cx="1644388" cy="923330"/>
-          </a:xfrm>
-          <a:prstGeom prst="rect">
-            <a:avLst/>
-          </a:prstGeom>
-          <a:noFill/>
-        </p:spPr>
-        <p:txBody>
-          <a:bodyPr wrap="none" rtlCol="0">
-            <a:spAutoFit/>
-          </a:bodyPr>
-          <a:lstStyle/>
-          <a:p>
-            <a:r>
-              <a:rPr lang="en-US" dirty="0" smtClean="0"/>
-              <a:t>1 -&gt; (Alice, 150)</a:t>
-            </a:r>
-          </a:p>
-          <a:p>
-            <a:r>
-              <a:rPr lang="en-US" dirty="0" smtClean="0"/>
-              <a:t>2 -&gt; (Alice, 155)</a:t>
-            </a:r>
-          </a:p>
-          <a:p>
-            <a:r>
-              <a:rPr lang="en-US" dirty="0" smtClean="0"/>
-              <a:t>3 -&gt; (Alice, 155)</a:t>
-            </a:r>
-            <a:endParaRPr lang="en-US" dirty="0"/>
-          </a:p>
-        </p:txBody>
-      </p:sp>
-      <p:sp>
-        <p:nvSpPr>
-          <p:cNvPr id="135" name="TextBox 134"/>
-          <p:cNvSpPr txBox="1"/>
-          <p:nvPr/>
-        </p:nvSpPr>
-        <p:spPr>
-          <a:xfrm>
-            <a:off x="6997206" y="920493"/>
-            <a:ext cx="1560982" cy="646331"/>
-          </a:xfrm>
-          <a:prstGeom prst="rect">
-            <a:avLst/>
-          </a:prstGeom>
-          <a:noFill/>
-        </p:spPr>
-        <p:txBody>
-          <a:bodyPr wrap="none" rtlCol="0">
-            <a:spAutoFit/>
-          </a:bodyPr>
-          <a:lstStyle/>
-          <a:p>
-            <a:r>
-              <a:rPr lang="en-US" dirty="0" smtClean="0"/>
-              <a:t>1 -&gt; (Bob, 103)</a:t>
-            </a:r>
-          </a:p>
-          <a:p>
-            <a:r>
-              <a:rPr lang="en-US" dirty="0" smtClean="0"/>
-              <a:t>2 -&gt; (Bob, 113)</a:t>
-            </a:r>
-            <a:endParaRPr lang="en-US" dirty="0"/>
-          </a:p>
-        </p:txBody>
-      </p:sp>
-      <p:sp>
-        <p:nvSpPr>
-          <p:cNvPr id="136" name="TextBox 135"/>
-          <p:cNvSpPr txBox="1"/>
-          <p:nvPr/>
-        </p:nvSpPr>
-        <p:spPr>
-          <a:xfrm>
-            <a:off x="2266548" y="2078943"/>
-            <a:ext cx="1729147" cy="923330"/>
-          </a:xfrm>
-          <a:prstGeom prst="rect">
-            <a:avLst/>
-          </a:prstGeom>
-          <a:noFill/>
-        </p:spPr>
-        <p:txBody>
-          <a:bodyPr wrap="none" rtlCol="0">
-            <a:spAutoFit/>
-          </a:bodyPr>
-          <a:lstStyle/>
-          <a:p>
-            <a:r>
-              <a:rPr lang="en-US" dirty="0" smtClean="0"/>
-              <a:t>1 -&gt; (Cathy, 98)</a:t>
-            </a:r>
-          </a:p>
-          <a:p>
-            <a:r>
-              <a:rPr lang="en-US" dirty="0" smtClean="0"/>
-              <a:t>2 -&gt; (Cathy, 105)</a:t>
-            </a:r>
-          </a:p>
-          <a:p>
-            <a:r>
-              <a:rPr lang="en-US" dirty="0" smtClean="0"/>
-              <a:t>3 -&gt; (Cathy, 105)</a:t>
-            </a:r>
-            <a:endParaRPr lang="en-US" dirty="0"/>
-          </a:p>
-        </p:txBody>
-      </p:sp>
-      <p:sp>
-        <p:nvSpPr>
-          <p:cNvPr id="138" name="TextBox 137"/>
-          <p:cNvSpPr txBox="1"/>
-          <p:nvPr/>
-        </p:nvSpPr>
-        <p:spPr>
-          <a:xfrm>
-            <a:off x="7013434" y="1907963"/>
-            <a:ext cx="1547118" cy="923330"/>
-          </a:xfrm>
-          <a:prstGeom prst="rect">
-            <a:avLst/>
-          </a:prstGeom>
-          <a:noFill/>
-        </p:spPr>
-        <p:txBody>
-          <a:bodyPr wrap="none" rtlCol="0">
-            <a:spAutoFit/>
-          </a:bodyPr>
-          <a:lstStyle/>
-          <a:p>
-            <a:r>
-              <a:rPr lang="en-US" dirty="0" smtClean="0"/>
-              <a:t>1 -&gt; (Dave, 55)</a:t>
-            </a:r>
-          </a:p>
-          <a:p>
-            <a:r>
-              <a:rPr lang="en-US" dirty="0" smtClean="0"/>
-              <a:t>2 -&gt; (Dave, 55)</a:t>
-            </a:r>
-          </a:p>
-          <a:p>
-            <a:r>
-              <a:rPr lang="en-US" dirty="0" smtClean="0"/>
-              <a:t>3 -&gt; (Dave, 55)</a:t>
-            </a:r>
-            <a:endParaRPr lang="en-US" dirty="0"/>
-          </a:p>
-        </p:txBody>
-      </p:sp>
-      <p:sp>
-        <p:nvSpPr>
-          <p:cNvPr id="139" name="TextBox 138"/>
-          <p:cNvSpPr txBox="1"/>
-          <p:nvPr/>
-        </p:nvSpPr>
-        <p:spPr>
-          <a:xfrm>
-            <a:off x="2425168" y="3221975"/>
-            <a:ext cx="1407244" cy="646331"/>
-          </a:xfrm>
-          <a:prstGeom prst="rect">
-            <a:avLst/>
-          </a:prstGeom>
-          <a:noFill/>
-        </p:spPr>
-        <p:txBody>
-          <a:bodyPr wrap="none" rtlCol="0">
-            <a:spAutoFit/>
-          </a:bodyPr>
-          <a:lstStyle/>
-          <a:p>
-            <a:r>
-              <a:rPr lang="en-US" dirty="0" smtClean="0"/>
-              <a:t>2 -&gt; (Eve, 80)</a:t>
-            </a:r>
-          </a:p>
-          <a:p>
-            <a:r>
-              <a:rPr lang="en-US" dirty="0" smtClean="0"/>
-              <a:t>3 -&gt; (Eve, 80)</a:t>
-            </a:r>
-            <a:endParaRPr lang="en-US" dirty="0"/>
-          </a:p>
-        </p:txBody>
-      </p:sp>
-      <p:sp>
-        <p:nvSpPr>
-          <p:cNvPr id="159" name="TextBox 158"/>
-          <p:cNvSpPr txBox="1"/>
-          <p:nvPr/>
-        </p:nvSpPr>
-        <p:spPr>
-          <a:xfrm>
-            <a:off x="7102023" y="3221469"/>
-            <a:ext cx="1417613" cy="369332"/>
-          </a:xfrm>
-          <a:prstGeom prst="rect">
-            <a:avLst/>
-          </a:prstGeom>
-          <a:noFill/>
-        </p:spPr>
-        <p:txBody>
-          <a:bodyPr wrap="none" rtlCol="0">
-            <a:spAutoFit/>
-          </a:bodyPr>
-          <a:lstStyle/>
-          <a:p>
-            <a:r>
-              <a:rPr lang="en-US" dirty="0" smtClean="0"/>
-              <a:t>3 -&gt; (Sue, 73)</a:t>
-            </a:r>
-            <a:endParaRPr lang="en-US" dirty="0"/>
-          </a:p>
-        </p:txBody>
-      </p:sp>
-      <p:sp>
-        <p:nvSpPr>
-          <p:cNvPr id="214" name="TextBox 213"/>
-          <p:cNvSpPr txBox="1"/>
-          <p:nvPr/>
-        </p:nvSpPr>
-        <p:spPr>
-          <a:xfrm>
-            <a:off x="4943926" y="359338"/>
-            <a:ext cx="616237" cy="369332"/>
-          </a:xfrm>
-          <a:prstGeom prst="rect">
-            <a:avLst/>
-          </a:prstGeom>
-          <a:noFill/>
-        </p:spPr>
-        <p:txBody>
-          <a:bodyPr wrap="none" rtlCol="0">
-            <a:spAutoFit/>
-          </a:bodyPr>
-          <a:lstStyle/>
-          <a:p>
-            <a:r>
-              <a:rPr lang="en-US" dirty="0" smtClean="0"/>
-              <a:t>(1,3)</a:t>
-            </a:r>
-            <a:endParaRPr lang="en-US" dirty="0"/>
-          </a:p>
-        </p:txBody>
-      </p:sp>
-      <p:sp>
-        <p:nvSpPr>
-          <p:cNvPr id="215" name="TextBox 214"/>
-          <p:cNvSpPr txBox="1"/>
-          <p:nvPr/>
-        </p:nvSpPr>
-        <p:spPr>
-          <a:xfrm>
-            <a:off x="3696974" y="1639047"/>
-            <a:ext cx="616237" cy="369332"/>
-          </a:xfrm>
-          <a:prstGeom prst="rect">
-            <a:avLst/>
-          </a:prstGeom>
-          <a:noFill/>
-        </p:spPr>
-        <p:txBody>
-          <a:bodyPr wrap="none" rtlCol="0">
-            <a:spAutoFit/>
-          </a:bodyPr>
-          <a:lstStyle/>
-          <a:p>
-            <a:r>
-              <a:rPr lang="en-US" dirty="0" smtClean="0"/>
-              <a:t>(1,4)</a:t>
-            </a:r>
-            <a:endParaRPr lang="en-US" dirty="0"/>
-          </a:p>
-        </p:txBody>
-      </p:sp>
-      <p:sp>
-        <p:nvSpPr>
-          <p:cNvPr id="217" name="TextBox 216"/>
-          <p:cNvSpPr txBox="1"/>
-          <p:nvPr/>
-        </p:nvSpPr>
-        <p:spPr>
-          <a:xfrm>
-            <a:off x="6471969" y="1535730"/>
-            <a:ext cx="616237" cy="369332"/>
-          </a:xfrm>
-          <a:prstGeom prst="rect">
-            <a:avLst/>
-          </a:prstGeom>
-          <a:noFill/>
-        </p:spPr>
-        <p:txBody>
-          <a:bodyPr wrap="none" rtlCol="0">
-            <a:spAutoFit/>
-          </a:bodyPr>
-          <a:lstStyle/>
-          <a:p>
-            <a:r>
-              <a:rPr lang="en-US" dirty="0" smtClean="0"/>
-              <a:t>(2,9)</a:t>
-            </a:r>
-            <a:endParaRPr lang="en-US" dirty="0"/>
-          </a:p>
-        </p:txBody>
-      </p:sp>
-      <p:sp>
-        <p:nvSpPr>
-          <p:cNvPr id="218" name="TextBox 217"/>
-          <p:cNvSpPr txBox="1"/>
-          <p:nvPr/>
-        </p:nvSpPr>
-        <p:spPr>
-          <a:xfrm>
-            <a:off x="5333213" y="2042662"/>
-            <a:ext cx="616237" cy="369332"/>
-          </a:xfrm>
-          <a:prstGeom prst="rect">
-            <a:avLst/>
-          </a:prstGeom>
-          <a:noFill/>
-        </p:spPr>
-        <p:txBody>
-          <a:bodyPr wrap="none" rtlCol="0">
-            <a:spAutoFit/>
-          </a:bodyPr>
-          <a:lstStyle/>
-          <a:p>
-            <a:r>
-              <a:rPr lang="en-US" dirty="0" smtClean="0"/>
-              <a:t>(1,1)</a:t>
-            </a:r>
-            <a:endParaRPr lang="en-US" dirty="0"/>
-          </a:p>
-        </p:txBody>
-      </p:sp>
-      <p:sp>
-        <p:nvSpPr>
-          <p:cNvPr id="219" name="TextBox 218"/>
-          <p:cNvSpPr txBox="1"/>
-          <p:nvPr/>
-        </p:nvSpPr>
-        <p:spPr>
-          <a:xfrm>
-            <a:off x="4253109" y="3014814"/>
-            <a:ext cx="616237" cy="369332"/>
-          </a:xfrm>
-          <a:prstGeom prst="rect">
-            <a:avLst/>
-          </a:prstGeom>
-          <a:noFill/>
-        </p:spPr>
-        <p:txBody>
-          <a:bodyPr wrap="none" rtlCol="0">
-            <a:spAutoFit/>
-          </a:bodyPr>
-          <a:lstStyle/>
-          <a:p>
-            <a:r>
-              <a:rPr lang="en-US" dirty="0" smtClean="0"/>
-              <a:t>(2,1)</a:t>
-            </a:r>
-            <a:endParaRPr lang="en-US" dirty="0"/>
-          </a:p>
-        </p:txBody>
-      </p:sp>
       <p:grpSp>
         <p:nvGrpSpPr>
           <p:cNvPr id="88" name="Group 87"/>
@@ -6905,7 +6520,7 @@
         </p:nvGrpSpPr>
         <p:grpSpPr>
           <a:xfrm>
-            <a:off x="6378677" y="3398385"/>
+            <a:off x="4579445" y="3917816"/>
             <a:ext cx="402336" cy="419140"/>
             <a:chOff x="2941562" y="2797709"/>
             <a:chExt cx="402336" cy="419140"/>
@@ -6997,7 +6612,7 @@
         </p:nvCxnSpPr>
         <p:spPr>
           <a:xfrm rot="16200000" flipH="1">
-            <a:off x="5422969" y="-126686"/>
+            <a:off x="3623737" y="392745"/>
             <a:ext cx="16657" cy="2298928"/>
           </a:xfrm>
           <a:prstGeom prst="curvedConnector3">
@@ -7039,7 +6654,7 @@
         </p:nvCxnSpPr>
         <p:spPr>
           <a:xfrm>
-            <a:off x="4497689" y="1232349"/>
+            <a:off x="2698457" y="1751780"/>
             <a:ext cx="1896592" cy="16657"/>
           </a:xfrm>
           <a:prstGeom prst="curvedConnector3">
@@ -7070,36 +6685,6 @@
           </a:fontRef>
         </p:style>
       </p:cxnSp>
-      <p:sp>
-        <p:nvSpPr>
-          <p:cNvPr id="98" name="TextBox 97"/>
-          <p:cNvSpPr txBox="1"/>
-          <p:nvPr/>
-        </p:nvSpPr>
-        <p:spPr>
-          <a:xfrm>
-            <a:off x="5096326" y="881070"/>
-            <a:ext cx="616237" cy="369332"/>
-          </a:xfrm>
-          <a:prstGeom prst="rect">
-            <a:avLst/>
-          </a:prstGeom>
-          <a:noFill/>
-        </p:spPr>
-        <p:txBody>
-          <a:bodyPr wrap="none" rtlCol="0">
-            <a:spAutoFit/>
-          </a:bodyPr>
-          <a:lstStyle/>
-          <a:p>
-            <a:r>
-              <a:rPr lang="en-US" dirty="0" smtClean="0"/>
-              <a:t>(2,3)</a:t>
-            </a:r>
-            <a:endParaRPr lang="en-US" dirty="0"/>
-          </a:p>
-        </p:txBody>
-      </p:sp>
       <p:cxnSp>
         <p:nvCxnSpPr>
           <p:cNvPr id="121" name="Curved Connector 120"/>
@@ -7108,7 +6693,7 @@
         </p:nvCxnSpPr>
         <p:spPr>
           <a:xfrm flipH="1">
-            <a:off x="4321787" y="1440829"/>
+            <a:off x="2522555" y="1960260"/>
             <a:ext cx="7513" cy="717012"/>
           </a:xfrm>
           <a:prstGeom prst="curvedConnector3">
@@ -7139,36 +6724,6 @@
           </a:fontRef>
         </p:style>
       </p:cxnSp>
-      <p:sp>
-        <p:nvSpPr>
-          <p:cNvPr id="141" name="TextBox 140"/>
-          <p:cNvSpPr txBox="1"/>
-          <p:nvPr/>
-        </p:nvSpPr>
-        <p:spPr>
-          <a:xfrm>
-            <a:off x="4515329" y="1632669"/>
-            <a:ext cx="616237" cy="369332"/>
-          </a:xfrm>
-          <a:prstGeom prst="rect">
-            <a:avLst/>
-          </a:prstGeom>
-          <a:noFill/>
-        </p:spPr>
-        <p:txBody>
-          <a:bodyPr wrap="none" rtlCol="0">
-            <a:spAutoFit/>
-          </a:bodyPr>
-          <a:lstStyle/>
-          <a:p>
-            <a:r>
-              <a:rPr lang="en-US" dirty="0" smtClean="0"/>
-              <a:t>(2,2)</a:t>
-            </a:r>
-            <a:endParaRPr lang="en-US" dirty="0"/>
-          </a:p>
-        </p:txBody>
-      </p:sp>
       <p:cxnSp>
         <p:nvCxnSpPr>
           <p:cNvPr id="142" name="Curved Connector 141"/>
@@ -7177,7 +6732,7 @@
         </p:nvCxnSpPr>
         <p:spPr>
           <a:xfrm>
-            <a:off x="6538658" y="1433590"/>
+            <a:off x="4739426" y="1953021"/>
             <a:ext cx="7513" cy="717012"/>
           </a:xfrm>
           <a:prstGeom prst="curvedConnector3">
@@ -7208,36 +6763,6 @@
           </a:fontRef>
         </p:style>
       </p:cxnSp>
-      <p:sp>
-        <p:nvSpPr>
-          <p:cNvPr id="143" name="TextBox 142"/>
-          <p:cNvSpPr txBox="1"/>
-          <p:nvPr/>
-        </p:nvSpPr>
-        <p:spPr>
-          <a:xfrm>
-            <a:off x="5768049" y="1298839"/>
-            <a:ext cx="616237" cy="369332"/>
-          </a:xfrm>
-          <a:prstGeom prst="rect">
-            <a:avLst/>
-          </a:prstGeom>
-          <a:noFill/>
-        </p:spPr>
-        <p:txBody>
-          <a:bodyPr wrap="none" rtlCol="0">
-            <a:spAutoFit/>
-          </a:bodyPr>
-          <a:lstStyle/>
-          <a:p>
-            <a:r>
-              <a:rPr lang="en-US" dirty="0" smtClean="0"/>
-              <a:t>(1,8)</a:t>
-            </a:r>
-            <a:endParaRPr lang="en-US" dirty="0"/>
-          </a:p>
-        </p:txBody>
-      </p:sp>
       <p:cxnSp>
         <p:nvCxnSpPr>
           <p:cNvPr id="146" name="Curved Connector 145"/>
@@ -7246,7 +6771,7 @@
         </p:nvCxnSpPr>
         <p:spPr>
           <a:xfrm rot="5400000" flipH="1" flipV="1">
-            <a:off x="5458248" y="1416191"/>
+            <a:off x="3659016" y="1935622"/>
             <a:ext cx="16657" cy="2298928"/>
           </a:xfrm>
           <a:prstGeom prst="curvedConnector3">
@@ -7277,36 +6802,6 @@
           </a:fontRef>
         </p:style>
       </p:cxnSp>
-      <p:sp>
-        <p:nvSpPr>
-          <p:cNvPr id="147" name="TextBox 146"/>
-          <p:cNvSpPr txBox="1"/>
-          <p:nvPr/>
-        </p:nvSpPr>
-        <p:spPr>
-          <a:xfrm>
-            <a:off x="5183617" y="2389191"/>
-            <a:ext cx="616237" cy="369332"/>
-          </a:xfrm>
-          <a:prstGeom prst="rect">
-            <a:avLst/>
-          </a:prstGeom>
-          <a:noFill/>
-        </p:spPr>
-        <p:txBody>
-          <a:bodyPr wrap="none" rtlCol="0">
-            <a:spAutoFit/>
-          </a:bodyPr>
-          <a:lstStyle/>
-          <a:p>
-            <a:r>
-              <a:rPr lang="en-US" dirty="0" smtClean="0"/>
-              <a:t>(2,2)</a:t>
-            </a:r>
-            <a:endParaRPr lang="en-US" dirty="0"/>
-          </a:p>
-        </p:txBody>
-      </p:sp>
       <p:cxnSp>
         <p:nvCxnSpPr>
           <p:cNvPr id="148" name="Straight Arrow Connector 147"/>
@@ -7318,7 +6813,7 @@
         </p:nvCxnSpPr>
         <p:spPr>
           <a:xfrm>
-            <a:off x="4497689" y="3599627"/>
+            <a:off x="2698457" y="4119058"/>
             <a:ext cx="1880988" cy="16657"/>
           </a:xfrm>
           <a:prstGeom prst="straightConnector1">
@@ -7347,36 +6842,6 @@
           </a:fontRef>
         </p:style>
       </p:cxnSp>
-      <p:sp>
-        <p:nvSpPr>
-          <p:cNvPr id="149" name="TextBox 148"/>
-          <p:cNvSpPr txBox="1"/>
-          <p:nvPr/>
-        </p:nvSpPr>
-        <p:spPr>
-          <a:xfrm>
-            <a:off x="5160707" y="3213931"/>
-            <a:ext cx="616237" cy="369332"/>
-          </a:xfrm>
-          <a:prstGeom prst="rect">
-            <a:avLst/>
-          </a:prstGeom>
-          <a:noFill/>
-        </p:spPr>
-        <p:txBody>
-          <a:bodyPr wrap="none" rtlCol="0">
-            <a:spAutoFit/>
-          </a:bodyPr>
-          <a:lstStyle/>
-          <a:p>
-            <a:r>
-              <a:rPr lang="en-US" dirty="0" smtClean="0"/>
-              <a:t>(3,1)</a:t>
-            </a:r>
-            <a:endParaRPr lang="en-US" dirty="0"/>
-          </a:p>
-        </p:txBody>
-      </p:sp>
       <p:cxnSp>
         <p:nvCxnSpPr>
           <p:cNvPr id="150" name="Curved Connector 149"/>
@@ -7385,7 +6850,7 @@
         </p:nvCxnSpPr>
         <p:spPr>
           <a:xfrm flipH="1">
-            <a:off x="4330116" y="1451374"/>
+            <a:off x="2530884" y="1970805"/>
             <a:ext cx="7513" cy="717012"/>
           </a:xfrm>
           <a:prstGeom prst="curvedConnector3">
@@ -7416,36 +6881,6 @@
           </a:fontRef>
         </p:style>
       </p:cxnSp>
-      <p:sp>
-        <p:nvSpPr>
-          <p:cNvPr id="151" name="TextBox 150"/>
-          <p:cNvSpPr txBox="1"/>
-          <p:nvPr/>
-        </p:nvSpPr>
-        <p:spPr>
-          <a:xfrm>
-            <a:off x="4762115" y="1894277"/>
-            <a:ext cx="616237" cy="369332"/>
-          </a:xfrm>
-          <a:prstGeom prst="rect">
-            <a:avLst/>
-          </a:prstGeom>
-          <a:noFill/>
-        </p:spPr>
-        <p:txBody>
-          <a:bodyPr wrap="none" rtlCol="0">
-            <a:spAutoFit/>
-          </a:bodyPr>
-          <a:lstStyle/>
-          <a:p>
-            <a:r>
-              <a:rPr lang="en-US" dirty="0" smtClean="0"/>
-              <a:t>(3,2)</a:t>
-            </a:r>
-            <a:endParaRPr lang="en-US" dirty="0"/>
-          </a:p>
-        </p:txBody>
-      </p:sp>
       <p:cxnSp>
         <p:nvCxnSpPr>
           <p:cNvPr id="251" name="Straight Connector 250"/>
@@ -7457,7 +6892,7 @@
         </p:nvCxnSpPr>
         <p:spPr>
           <a:xfrm>
-            <a:off x="4438768" y="1374648"/>
+            <a:off x="2639536" y="1894079"/>
             <a:ext cx="2014434" cy="852680"/>
           </a:xfrm>
           <a:prstGeom prst="line">
@@ -7486,36 +6921,6 @@
           </a:fontRef>
         </p:style>
       </p:cxnSp>
-      <p:sp>
-        <p:nvSpPr>
-          <p:cNvPr id="153" name="TextBox 152"/>
-          <p:cNvSpPr txBox="1"/>
-          <p:nvPr/>
-        </p:nvSpPr>
-        <p:spPr>
-          <a:xfrm>
-            <a:off x="5150453" y="1401217"/>
-            <a:ext cx="616237" cy="369332"/>
-          </a:xfrm>
-          <a:prstGeom prst="rect">
-            <a:avLst/>
-          </a:prstGeom>
-          <a:noFill/>
-        </p:spPr>
-        <p:txBody>
-          <a:bodyPr wrap="none" rtlCol="0">
-            <a:spAutoFit/>
-          </a:bodyPr>
-          <a:lstStyle/>
-          <a:p>
-            <a:r>
-              <a:rPr lang="en-US" dirty="0" smtClean="0"/>
-              <a:t>(1,1)</a:t>
-            </a:r>
-            <a:endParaRPr lang="en-US" dirty="0"/>
-          </a:p>
-        </p:txBody>
-      </p:sp>
       <p:cxnSp>
         <p:nvCxnSpPr>
           <p:cNvPr id="33" name="Curved Connector 32"/>
@@ -7527,7 +6932,7 @@
         </p:nvCxnSpPr>
         <p:spPr>
           <a:xfrm rot="16200000" flipH="1">
-            <a:off x="4835655" y="408667"/>
+            <a:off x="3036423" y="928098"/>
             <a:ext cx="1279579" cy="2642343"/>
           </a:xfrm>
           <a:prstGeom prst="curvedConnector4">
@@ -7561,14 +6966,14 @@
       </p:cxnSp>
       <p:sp>
         <p:nvSpPr>
-          <p:cNvPr id="160" name="TextBox 159"/>
+          <p:cNvPr id="161" name="TextBox 160"/>
           <p:cNvSpPr txBox="1"/>
           <p:nvPr/>
         </p:nvSpPr>
         <p:spPr>
           <a:xfrm>
-            <a:off x="6145083" y="194289"/>
-            <a:ext cx="616237" cy="369332"/>
+            <a:off x="1037001" y="352462"/>
+            <a:ext cx="5450681" cy="361637"/>
           </a:xfrm>
           <a:prstGeom prst="rect">
             <a:avLst/>
@@ -7576,62 +6981,56 @@
           <a:noFill/>
         </p:spPr>
         <p:txBody>
-          <a:bodyPr wrap="none" rtlCol="0">
+          <a:bodyPr wrap="square" rtlCol="0">
             <a:spAutoFit/>
           </a:bodyPr>
           <a:lstStyle/>
           <a:p>
             <a:r>
-              <a:rPr lang="en-US" dirty="0" smtClean="0"/>
-              <a:t>(3,2)</a:t>
-            </a:r>
-            <a:endParaRPr lang="en-US" dirty="0"/>
-          </a:p>
-        </p:txBody>
-      </p:sp>
-      <p:sp>
-        <p:nvSpPr>
-          <p:cNvPr id="161" name="TextBox 160"/>
-          <p:cNvSpPr txBox="1"/>
-          <p:nvPr/>
-        </p:nvSpPr>
-        <p:spPr>
-          <a:xfrm>
-            <a:off x="559042" y="5162172"/>
-            <a:ext cx="1707506" cy="923330"/>
-          </a:xfrm>
-          <a:prstGeom prst="rect">
-            <a:avLst/>
-          </a:prstGeom>
-          <a:noFill/>
-        </p:spPr>
-        <p:txBody>
-          <a:bodyPr wrap="none" rtlCol="0">
-            <a:spAutoFit/>
-          </a:bodyPr>
-          <a:lstStyle/>
-          <a:p>
-            <a:r>
-              <a:rPr lang="en-US" dirty="0" smtClean="0"/>
-              <a:t>[2010, </a:t>
-            </a:r>
-            <a:r>
-              <a:rPr lang="en-US" dirty="0" smtClean="0"/>
-              <a:t>2011) – 1</a:t>
-            </a:r>
-          </a:p>
-          <a:p>
-            <a:r>
-              <a:rPr lang="en-US" dirty="0" smtClean="0"/>
-              <a:t>[2011, 2012) – 2</a:t>
-            </a:r>
-          </a:p>
-          <a:p>
-            <a:r>
-              <a:rPr lang="en-US" dirty="0" smtClean="0"/>
-              <a:t>[2012, 2013) – 3</a:t>
-            </a:r>
-            <a:endParaRPr lang="en-US" dirty="0"/>
+              <a:rPr lang="en-US" sz="1750" dirty="0" smtClean="0"/>
+              <a:t>[2010, 2011) </a:t>
+            </a:r>
+            <a:r>
+              <a:rPr lang="en-US" sz="1750" dirty="0" smtClean="0"/>
+              <a:t>– t1</a:t>
+            </a:r>
+            <a:r>
+              <a:rPr lang="en-US" sz="1750" dirty="0" smtClean="0"/>
+              <a:t>  </a:t>
+            </a:r>
+            <a:r>
+              <a:rPr lang="en-US" sz="1750" dirty="0" smtClean="0"/>
+              <a:t>[</a:t>
+            </a:r>
+            <a:r>
+              <a:rPr lang="en-US" sz="1750" dirty="0" smtClean="0"/>
+              <a:t>2011, 2012) – </a:t>
+            </a:r>
+            <a:r>
+              <a:rPr lang="en-US" sz="1750" dirty="0" smtClean="0"/>
+              <a:t>t2</a:t>
+            </a:r>
+            <a:r>
+              <a:rPr lang="en-US" sz="1750" dirty="0"/>
+              <a:t> </a:t>
+            </a:r>
+            <a:r>
+              <a:rPr lang="en-US" sz="1750" dirty="0" smtClean="0"/>
+              <a:t> </a:t>
+            </a:r>
+            <a:r>
+              <a:rPr lang="en-US" sz="1750" dirty="0" smtClean="0"/>
+              <a:t>[</a:t>
+            </a:r>
+            <a:r>
+              <a:rPr lang="en-US" sz="1750" dirty="0" smtClean="0"/>
+              <a:t>2012, 2013) – </a:t>
+            </a:r>
+            <a:r>
+              <a:rPr lang="en-US" sz="1750" dirty="0" smtClean="0"/>
+              <a:t>t3</a:t>
+            </a:r>
+            <a:endParaRPr lang="en-US" sz="1750" dirty="0"/>
           </a:p>
         </p:txBody>
       </p:sp>
@@ -7646,7 +7045,7 @@
         </p:nvCxnSpPr>
         <p:spPr>
           <a:xfrm rot="16200000" flipH="1">
-            <a:off x="5433591" y="1409010"/>
+            <a:off x="3634359" y="1928441"/>
             <a:ext cx="16657" cy="2307060"/>
           </a:xfrm>
           <a:prstGeom prst="curvedConnector3">
@@ -7679,19 +7078,24 @@
       </p:cxnSp>
       <p:sp>
         <p:nvSpPr>
-          <p:cNvPr id="166" name="TextBox 165"/>
+          <p:cNvPr id="134" name="TextBox 133"/>
           <p:cNvSpPr txBox="1"/>
           <p:nvPr/>
         </p:nvSpPr>
         <p:spPr>
           <a:xfrm>
-            <a:off x="5794657" y="2876770"/>
-            <a:ext cx="616237" cy="369332"/>
+            <a:off x="663396" y="1281786"/>
+            <a:ext cx="1550925" cy="830997"/>
           </a:xfrm>
           <a:prstGeom prst="rect">
             <a:avLst/>
           </a:prstGeom>
-          <a:noFill/>
+          <a:solidFill>
+            <a:schemeClr val="bg1">
+              <a:lumMod val="95000"/>
+              <a:alpha val="50000"/>
+            </a:schemeClr>
+          </a:solidFill>
         </p:spPr>
         <p:txBody>
           <a:bodyPr wrap="none" rtlCol="0">
@@ -7700,10 +7104,835 @@
           <a:lstStyle/>
           <a:p>
             <a:r>
-              <a:rPr lang="en-US" dirty="0" smtClean="0"/>
-              <a:t>(3,4)</a:t>
-            </a:r>
-            <a:endParaRPr lang="en-US" dirty="0"/>
+              <a:rPr lang="en-US" sz="1600" dirty="0" smtClean="0"/>
+              <a:t>t1 </a:t>
+            </a:r>
+            <a:r>
+              <a:rPr lang="en-US" sz="1600" dirty="0" smtClean="0"/>
+              <a:t>-&gt; (Alice, 150)</a:t>
+            </a:r>
+          </a:p>
+          <a:p>
+            <a:r>
+              <a:rPr lang="en-US" sz="1600" dirty="0" smtClean="0"/>
+              <a:t>t2 </a:t>
+            </a:r>
+            <a:r>
+              <a:rPr lang="en-US" sz="1600" dirty="0" smtClean="0"/>
+              <a:t>-&gt; (Alice, 155)</a:t>
+            </a:r>
+          </a:p>
+          <a:p>
+            <a:r>
+              <a:rPr lang="en-US" sz="1600" dirty="0" smtClean="0"/>
+              <a:t>t3 </a:t>
+            </a:r>
+            <a:r>
+              <a:rPr lang="en-US" sz="1600" dirty="0" smtClean="0"/>
+              <a:t>-&gt; (Alice, 155)</a:t>
+            </a:r>
+            <a:endParaRPr lang="en-US" sz="1600" dirty="0"/>
+          </a:p>
+        </p:txBody>
+      </p:sp>
+      <p:sp>
+        <p:nvSpPr>
+          <p:cNvPr id="135" name="TextBox 134"/>
+          <p:cNvSpPr txBox="1"/>
+          <p:nvPr/>
+        </p:nvSpPr>
+        <p:spPr>
+          <a:xfrm>
+            <a:off x="5197974" y="1439924"/>
+            <a:ext cx="1476787" cy="584776"/>
+          </a:xfrm>
+          <a:prstGeom prst="rect">
+            <a:avLst/>
+          </a:prstGeom>
+          <a:solidFill>
+            <a:schemeClr val="bg1">
+              <a:lumMod val="95000"/>
+              <a:alpha val="50000"/>
+            </a:schemeClr>
+          </a:solidFill>
+        </p:spPr>
+        <p:txBody>
+          <a:bodyPr wrap="none" rtlCol="0">
+            <a:spAutoFit/>
+          </a:bodyPr>
+          <a:lstStyle/>
+          <a:p>
+            <a:r>
+              <a:rPr lang="en-US" sz="1600" dirty="0" smtClean="0"/>
+              <a:t>t1 </a:t>
+            </a:r>
+            <a:r>
+              <a:rPr lang="en-US" sz="1600" dirty="0" smtClean="0"/>
+              <a:t>-&gt; (Bob, 103)</a:t>
+            </a:r>
+          </a:p>
+          <a:p>
+            <a:r>
+              <a:rPr lang="en-US" sz="1600" dirty="0" smtClean="0"/>
+              <a:t>t2 </a:t>
+            </a:r>
+            <a:r>
+              <a:rPr lang="en-US" sz="1600" dirty="0" smtClean="0"/>
+              <a:t>-&gt; (Bob, 113)</a:t>
+            </a:r>
+            <a:endParaRPr lang="en-US" sz="1600" dirty="0"/>
+          </a:p>
+        </p:txBody>
+      </p:sp>
+      <p:sp>
+        <p:nvSpPr>
+          <p:cNvPr id="136" name="TextBox 135"/>
+          <p:cNvSpPr txBox="1"/>
+          <p:nvPr/>
+        </p:nvSpPr>
+        <p:spPr>
+          <a:xfrm>
+            <a:off x="573156" y="2598374"/>
+            <a:ext cx="1626267" cy="830997"/>
+          </a:xfrm>
+          <a:prstGeom prst="rect">
+            <a:avLst/>
+          </a:prstGeom>
+          <a:solidFill>
+            <a:schemeClr val="bg1">
+              <a:lumMod val="95000"/>
+              <a:alpha val="50000"/>
+            </a:schemeClr>
+          </a:solidFill>
+        </p:spPr>
+        <p:txBody>
+          <a:bodyPr wrap="none" rtlCol="0">
+            <a:spAutoFit/>
+          </a:bodyPr>
+          <a:lstStyle/>
+          <a:p>
+            <a:r>
+              <a:rPr lang="en-US" sz="1600" dirty="0" smtClean="0"/>
+              <a:t>t1 </a:t>
+            </a:r>
+            <a:r>
+              <a:rPr lang="en-US" sz="1600" dirty="0" smtClean="0"/>
+              <a:t>-&gt; (Cathy, 98)</a:t>
+            </a:r>
+          </a:p>
+          <a:p>
+            <a:r>
+              <a:rPr lang="en-US" sz="1600" dirty="0" smtClean="0"/>
+              <a:t>t2 </a:t>
+            </a:r>
+            <a:r>
+              <a:rPr lang="en-US" sz="1600" dirty="0" smtClean="0"/>
+              <a:t>-&gt; (Cathy, 105)</a:t>
+            </a:r>
+          </a:p>
+          <a:p>
+            <a:r>
+              <a:rPr lang="en-US" sz="1600" dirty="0" smtClean="0"/>
+              <a:t>t3 </a:t>
+            </a:r>
+            <a:r>
+              <a:rPr lang="en-US" sz="1600" dirty="0" smtClean="0"/>
+              <a:t>-&gt; (Cathy, 105)</a:t>
+            </a:r>
+            <a:endParaRPr lang="en-US" sz="1600" dirty="0"/>
+          </a:p>
+        </p:txBody>
+      </p:sp>
+      <p:sp>
+        <p:nvSpPr>
+          <p:cNvPr id="138" name="TextBox 137"/>
+          <p:cNvSpPr txBox="1"/>
+          <p:nvPr/>
+        </p:nvSpPr>
+        <p:spPr>
+          <a:xfrm>
+            <a:off x="5214202" y="2427394"/>
+            <a:ext cx="1464463" cy="830997"/>
+          </a:xfrm>
+          <a:prstGeom prst="rect">
+            <a:avLst/>
+          </a:prstGeom>
+          <a:solidFill>
+            <a:schemeClr val="bg1">
+              <a:lumMod val="95000"/>
+              <a:alpha val="50000"/>
+            </a:schemeClr>
+          </a:solidFill>
+        </p:spPr>
+        <p:txBody>
+          <a:bodyPr wrap="none" rtlCol="0">
+            <a:spAutoFit/>
+          </a:bodyPr>
+          <a:lstStyle/>
+          <a:p>
+            <a:r>
+              <a:rPr lang="en-US" sz="1600" dirty="0" smtClean="0"/>
+              <a:t>t1 </a:t>
+            </a:r>
+            <a:r>
+              <a:rPr lang="en-US" sz="1600" dirty="0" smtClean="0"/>
+              <a:t>-&gt; (Dave, 55)</a:t>
+            </a:r>
+          </a:p>
+          <a:p>
+            <a:r>
+              <a:rPr lang="en-US" sz="1600" dirty="0" smtClean="0"/>
+              <a:t>t2 </a:t>
+            </a:r>
+            <a:r>
+              <a:rPr lang="en-US" sz="1600" dirty="0" smtClean="0"/>
+              <a:t>-&gt; (Dave, 55)</a:t>
+            </a:r>
+          </a:p>
+          <a:p>
+            <a:r>
+              <a:rPr lang="en-US" sz="1600" dirty="0" smtClean="0"/>
+              <a:t>t3 </a:t>
+            </a:r>
+            <a:r>
+              <a:rPr lang="en-US" sz="1600" dirty="0" smtClean="0"/>
+              <a:t>-&gt; (Dave, 55)</a:t>
+            </a:r>
+            <a:endParaRPr lang="en-US" sz="1600" dirty="0"/>
+          </a:p>
+        </p:txBody>
+      </p:sp>
+      <p:sp>
+        <p:nvSpPr>
+          <p:cNvPr id="139" name="TextBox 138"/>
+          <p:cNvSpPr txBox="1"/>
+          <p:nvPr/>
+        </p:nvSpPr>
+        <p:spPr>
+          <a:xfrm>
+            <a:off x="811428" y="3843327"/>
+            <a:ext cx="1340131" cy="584776"/>
+          </a:xfrm>
+          <a:prstGeom prst="rect">
+            <a:avLst/>
+          </a:prstGeom>
+          <a:solidFill>
+            <a:schemeClr val="bg1">
+              <a:lumMod val="95000"/>
+              <a:alpha val="50000"/>
+            </a:schemeClr>
+          </a:solidFill>
+        </p:spPr>
+        <p:txBody>
+          <a:bodyPr wrap="none" rtlCol="0">
+            <a:spAutoFit/>
+          </a:bodyPr>
+          <a:lstStyle/>
+          <a:p>
+            <a:r>
+              <a:rPr lang="en-US" sz="1600" dirty="0" smtClean="0"/>
+              <a:t>t2 </a:t>
+            </a:r>
+            <a:r>
+              <a:rPr lang="en-US" sz="1600" dirty="0" smtClean="0"/>
+              <a:t>-&gt; (Eve, 80)</a:t>
+            </a:r>
+          </a:p>
+          <a:p>
+            <a:r>
+              <a:rPr lang="en-US" sz="1600" dirty="0" smtClean="0"/>
+              <a:t>t3 </a:t>
+            </a:r>
+            <a:r>
+              <a:rPr lang="en-US" sz="1600" dirty="0" smtClean="0"/>
+              <a:t>-&gt; (Eve, 80)</a:t>
+            </a:r>
+            <a:endParaRPr lang="en-US" sz="1600" dirty="0"/>
+          </a:p>
+        </p:txBody>
+      </p:sp>
+      <p:sp>
+        <p:nvSpPr>
+          <p:cNvPr id="159" name="TextBox 158"/>
+          <p:cNvSpPr txBox="1"/>
+          <p:nvPr/>
+        </p:nvSpPr>
+        <p:spPr>
+          <a:xfrm>
+            <a:off x="5039408" y="3901159"/>
+            <a:ext cx="1349348" cy="338554"/>
+          </a:xfrm>
+          <a:prstGeom prst="rect">
+            <a:avLst/>
+          </a:prstGeom>
+          <a:solidFill>
+            <a:schemeClr val="bg1">
+              <a:lumMod val="95000"/>
+              <a:alpha val="50000"/>
+            </a:schemeClr>
+          </a:solidFill>
+        </p:spPr>
+        <p:txBody>
+          <a:bodyPr wrap="none" rtlCol="0">
+            <a:spAutoFit/>
+          </a:bodyPr>
+          <a:lstStyle/>
+          <a:p>
+            <a:r>
+              <a:rPr lang="en-US" sz="1600" dirty="0" smtClean="0"/>
+              <a:t>t3 </a:t>
+            </a:r>
+            <a:r>
+              <a:rPr lang="en-US" sz="1600" dirty="0" smtClean="0"/>
+              <a:t>-&gt; (Sue, 73)</a:t>
+            </a:r>
+            <a:endParaRPr lang="en-US" sz="1600" dirty="0"/>
+          </a:p>
+        </p:txBody>
+      </p:sp>
+      <p:sp>
+        <p:nvSpPr>
+          <p:cNvPr id="214" name="TextBox 213"/>
+          <p:cNvSpPr txBox="1"/>
+          <p:nvPr/>
+        </p:nvSpPr>
+        <p:spPr>
+          <a:xfrm>
+            <a:off x="3144694" y="878769"/>
+            <a:ext cx="637013" cy="338554"/>
+          </a:xfrm>
+          <a:prstGeom prst="rect">
+            <a:avLst/>
+          </a:prstGeom>
+          <a:solidFill>
+            <a:schemeClr val="bg1">
+              <a:lumMod val="95000"/>
+              <a:alpha val="50000"/>
+            </a:schemeClr>
+          </a:solidFill>
+        </p:spPr>
+        <p:txBody>
+          <a:bodyPr wrap="none" rtlCol="0">
+            <a:spAutoFit/>
+          </a:bodyPr>
+          <a:lstStyle/>
+          <a:p>
+            <a:r>
+              <a:rPr lang="en-US" sz="1600" dirty="0" smtClean="0"/>
+              <a:t>(t1,3</a:t>
+            </a:r>
+            <a:r>
+              <a:rPr lang="en-US" sz="1600" dirty="0" smtClean="0"/>
+              <a:t>)</a:t>
+            </a:r>
+            <a:endParaRPr lang="en-US" sz="1600" dirty="0"/>
+          </a:p>
+        </p:txBody>
+      </p:sp>
+      <p:sp>
+        <p:nvSpPr>
+          <p:cNvPr id="215" name="TextBox 214"/>
+          <p:cNvSpPr txBox="1"/>
+          <p:nvPr/>
+        </p:nvSpPr>
+        <p:spPr>
+          <a:xfrm>
+            <a:off x="1897742" y="2158478"/>
+            <a:ext cx="637013" cy="338554"/>
+          </a:xfrm>
+          <a:prstGeom prst="rect">
+            <a:avLst/>
+          </a:prstGeom>
+          <a:solidFill>
+            <a:schemeClr val="bg1">
+              <a:lumMod val="95000"/>
+              <a:alpha val="50000"/>
+            </a:schemeClr>
+          </a:solidFill>
+        </p:spPr>
+        <p:txBody>
+          <a:bodyPr wrap="none" rtlCol="0">
+            <a:spAutoFit/>
+          </a:bodyPr>
+          <a:lstStyle/>
+          <a:p>
+            <a:r>
+              <a:rPr lang="en-US" sz="1600" dirty="0" smtClean="0"/>
+              <a:t>(t1,4</a:t>
+            </a:r>
+            <a:r>
+              <a:rPr lang="en-US" sz="1600" dirty="0" smtClean="0"/>
+              <a:t>)</a:t>
+            </a:r>
+            <a:endParaRPr lang="en-US" sz="1600" dirty="0"/>
+          </a:p>
+        </p:txBody>
+      </p:sp>
+      <p:sp>
+        <p:nvSpPr>
+          <p:cNvPr id="217" name="TextBox 216"/>
+          <p:cNvSpPr txBox="1"/>
+          <p:nvPr/>
+        </p:nvSpPr>
+        <p:spPr>
+          <a:xfrm>
+            <a:off x="4566897" y="2161007"/>
+            <a:ext cx="637013" cy="338554"/>
+          </a:xfrm>
+          <a:prstGeom prst="rect">
+            <a:avLst/>
+          </a:prstGeom>
+          <a:solidFill>
+            <a:schemeClr val="bg1">
+              <a:lumMod val="95000"/>
+              <a:alpha val="50000"/>
+            </a:schemeClr>
+          </a:solidFill>
+        </p:spPr>
+        <p:txBody>
+          <a:bodyPr wrap="none" rtlCol="0">
+            <a:spAutoFit/>
+          </a:bodyPr>
+          <a:lstStyle/>
+          <a:p>
+            <a:r>
+              <a:rPr lang="en-US" sz="1600" dirty="0" smtClean="0"/>
+              <a:t>(t2,9</a:t>
+            </a:r>
+            <a:r>
+              <a:rPr lang="en-US" sz="1600" dirty="0" smtClean="0"/>
+              <a:t>)</a:t>
+            </a:r>
+            <a:endParaRPr lang="en-US" sz="1600" dirty="0"/>
+          </a:p>
+        </p:txBody>
+      </p:sp>
+      <p:sp>
+        <p:nvSpPr>
+          <p:cNvPr id="218" name="TextBox 217"/>
+          <p:cNvSpPr txBox="1"/>
+          <p:nvPr/>
+        </p:nvSpPr>
+        <p:spPr>
+          <a:xfrm>
+            <a:off x="3533981" y="2562093"/>
+            <a:ext cx="637013" cy="338554"/>
+          </a:xfrm>
+          <a:prstGeom prst="rect">
+            <a:avLst/>
+          </a:prstGeom>
+          <a:solidFill>
+            <a:schemeClr val="bg1">
+              <a:lumMod val="95000"/>
+              <a:alpha val="50000"/>
+            </a:schemeClr>
+          </a:solidFill>
+        </p:spPr>
+        <p:txBody>
+          <a:bodyPr wrap="none" rtlCol="0">
+            <a:spAutoFit/>
+          </a:bodyPr>
+          <a:lstStyle/>
+          <a:p>
+            <a:r>
+              <a:rPr lang="en-US" sz="1600" dirty="0" smtClean="0"/>
+              <a:t>(t1,1</a:t>
+            </a:r>
+            <a:r>
+              <a:rPr lang="en-US" sz="1600" dirty="0" smtClean="0"/>
+              <a:t>)</a:t>
+            </a:r>
+            <a:endParaRPr lang="en-US" sz="1600" dirty="0"/>
+          </a:p>
+        </p:txBody>
+      </p:sp>
+      <p:sp>
+        <p:nvSpPr>
+          <p:cNvPr id="219" name="TextBox 218"/>
+          <p:cNvSpPr txBox="1"/>
+          <p:nvPr/>
+        </p:nvSpPr>
+        <p:spPr>
+          <a:xfrm>
+            <a:off x="2453877" y="3534245"/>
+            <a:ext cx="637013" cy="338554"/>
+          </a:xfrm>
+          <a:prstGeom prst="rect">
+            <a:avLst/>
+          </a:prstGeom>
+          <a:solidFill>
+            <a:schemeClr val="bg1">
+              <a:lumMod val="95000"/>
+              <a:alpha val="50000"/>
+            </a:schemeClr>
+          </a:solidFill>
+        </p:spPr>
+        <p:txBody>
+          <a:bodyPr wrap="none" rtlCol="0">
+            <a:spAutoFit/>
+          </a:bodyPr>
+          <a:lstStyle/>
+          <a:p>
+            <a:r>
+              <a:rPr lang="en-US" sz="1600" dirty="0" smtClean="0"/>
+              <a:t>(t2,1</a:t>
+            </a:r>
+            <a:r>
+              <a:rPr lang="en-US" sz="1600" dirty="0" smtClean="0"/>
+              <a:t>)</a:t>
+            </a:r>
+            <a:endParaRPr lang="en-US" sz="1600" dirty="0"/>
+          </a:p>
+        </p:txBody>
+      </p:sp>
+      <p:sp>
+        <p:nvSpPr>
+          <p:cNvPr id="98" name="TextBox 97"/>
+          <p:cNvSpPr txBox="1"/>
+          <p:nvPr/>
+        </p:nvSpPr>
+        <p:spPr>
+          <a:xfrm>
+            <a:off x="3297094" y="1400501"/>
+            <a:ext cx="637013" cy="338554"/>
+          </a:xfrm>
+          <a:prstGeom prst="rect">
+            <a:avLst/>
+          </a:prstGeom>
+          <a:solidFill>
+            <a:schemeClr val="bg1">
+              <a:lumMod val="95000"/>
+              <a:alpha val="50000"/>
+            </a:schemeClr>
+          </a:solidFill>
+        </p:spPr>
+        <p:txBody>
+          <a:bodyPr wrap="none" rtlCol="0">
+            <a:spAutoFit/>
+          </a:bodyPr>
+          <a:lstStyle/>
+          <a:p>
+            <a:r>
+              <a:rPr lang="en-US" sz="1600" dirty="0" smtClean="0"/>
+              <a:t>(t2,3</a:t>
+            </a:r>
+            <a:r>
+              <a:rPr lang="en-US" sz="1600" dirty="0" smtClean="0"/>
+              <a:t>)</a:t>
+            </a:r>
+            <a:endParaRPr lang="en-US" sz="1600" dirty="0"/>
+          </a:p>
+        </p:txBody>
+      </p:sp>
+      <p:sp>
+        <p:nvSpPr>
+          <p:cNvPr id="141" name="TextBox 140"/>
+          <p:cNvSpPr txBox="1"/>
+          <p:nvPr/>
+        </p:nvSpPr>
+        <p:spPr>
+          <a:xfrm>
+            <a:off x="2716097" y="2152100"/>
+            <a:ext cx="637013" cy="338554"/>
+          </a:xfrm>
+          <a:prstGeom prst="rect">
+            <a:avLst/>
+          </a:prstGeom>
+          <a:solidFill>
+            <a:schemeClr val="bg1">
+              <a:lumMod val="95000"/>
+              <a:alpha val="50000"/>
+            </a:schemeClr>
+          </a:solidFill>
+        </p:spPr>
+        <p:txBody>
+          <a:bodyPr wrap="none" rtlCol="0">
+            <a:spAutoFit/>
+          </a:bodyPr>
+          <a:lstStyle/>
+          <a:p>
+            <a:r>
+              <a:rPr lang="en-US" sz="1600" dirty="0" smtClean="0"/>
+              <a:t>(t2,2</a:t>
+            </a:r>
+            <a:r>
+              <a:rPr lang="en-US" sz="1600" dirty="0" smtClean="0"/>
+              <a:t>)</a:t>
+            </a:r>
+            <a:endParaRPr lang="en-US" sz="1600" dirty="0"/>
+          </a:p>
+        </p:txBody>
+      </p:sp>
+      <p:sp>
+        <p:nvSpPr>
+          <p:cNvPr id="143" name="TextBox 142"/>
+          <p:cNvSpPr txBox="1"/>
+          <p:nvPr/>
+        </p:nvSpPr>
+        <p:spPr>
+          <a:xfrm>
+            <a:off x="3968817" y="1818270"/>
+            <a:ext cx="637013" cy="338554"/>
+          </a:xfrm>
+          <a:prstGeom prst="rect">
+            <a:avLst/>
+          </a:prstGeom>
+          <a:solidFill>
+            <a:schemeClr val="bg1">
+              <a:lumMod val="95000"/>
+              <a:alpha val="50000"/>
+            </a:schemeClr>
+          </a:solidFill>
+        </p:spPr>
+        <p:txBody>
+          <a:bodyPr wrap="none" rtlCol="0">
+            <a:spAutoFit/>
+          </a:bodyPr>
+          <a:lstStyle/>
+          <a:p>
+            <a:r>
+              <a:rPr lang="en-US" sz="1600" dirty="0" smtClean="0"/>
+              <a:t>(t1,8</a:t>
+            </a:r>
+            <a:r>
+              <a:rPr lang="en-US" sz="1600" dirty="0" smtClean="0"/>
+              <a:t>)</a:t>
+            </a:r>
+            <a:endParaRPr lang="en-US" sz="1600" dirty="0"/>
+          </a:p>
+        </p:txBody>
+      </p:sp>
+      <p:sp>
+        <p:nvSpPr>
+          <p:cNvPr id="147" name="TextBox 146"/>
+          <p:cNvSpPr txBox="1"/>
+          <p:nvPr/>
+        </p:nvSpPr>
+        <p:spPr>
+          <a:xfrm>
+            <a:off x="3384385" y="2908622"/>
+            <a:ext cx="637013" cy="338554"/>
+          </a:xfrm>
+          <a:prstGeom prst="rect">
+            <a:avLst/>
+          </a:prstGeom>
+          <a:solidFill>
+            <a:schemeClr val="bg1">
+              <a:lumMod val="95000"/>
+              <a:alpha val="50000"/>
+            </a:schemeClr>
+          </a:solidFill>
+        </p:spPr>
+        <p:txBody>
+          <a:bodyPr wrap="none" rtlCol="0">
+            <a:spAutoFit/>
+          </a:bodyPr>
+          <a:lstStyle/>
+          <a:p>
+            <a:r>
+              <a:rPr lang="en-US" sz="1600" dirty="0" smtClean="0"/>
+              <a:t>(t2,2</a:t>
+            </a:r>
+            <a:r>
+              <a:rPr lang="en-US" sz="1600" dirty="0" smtClean="0"/>
+              <a:t>)</a:t>
+            </a:r>
+            <a:endParaRPr lang="en-US" sz="1600" dirty="0"/>
+          </a:p>
+        </p:txBody>
+      </p:sp>
+      <p:sp>
+        <p:nvSpPr>
+          <p:cNvPr id="149" name="TextBox 148"/>
+          <p:cNvSpPr txBox="1"/>
+          <p:nvPr/>
+        </p:nvSpPr>
+        <p:spPr>
+          <a:xfrm>
+            <a:off x="3361475" y="3733362"/>
+            <a:ext cx="637013" cy="338554"/>
+          </a:xfrm>
+          <a:prstGeom prst="rect">
+            <a:avLst/>
+          </a:prstGeom>
+          <a:solidFill>
+            <a:schemeClr val="bg1">
+              <a:lumMod val="95000"/>
+              <a:alpha val="50000"/>
+            </a:schemeClr>
+          </a:solidFill>
+        </p:spPr>
+        <p:txBody>
+          <a:bodyPr wrap="none" rtlCol="0">
+            <a:spAutoFit/>
+          </a:bodyPr>
+          <a:lstStyle/>
+          <a:p>
+            <a:r>
+              <a:rPr lang="en-US" sz="1600" dirty="0" smtClean="0"/>
+              <a:t>(t3,1</a:t>
+            </a:r>
+            <a:r>
+              <a:rPr lang="en-US" sz="1600" dirty="0" smtClean="0"/>
+              <a:t>)</a:t>
+            </a:r>
+            <a:endParaRPr lang="en-US" sz="1600" dirty="0"/>
+          </a:p>
+        </p:txBody>
+      </p:sp>
+      <p:sp>
+        <p:nvSpPr>
+          <p:cNvPr id="151" name="TextBox 150"/>
+          <p:cNvSpPr txBox="1"/>
+          <p:nvPr/>
+        </p:nvSpPr>
+        <p:spPr>
+          <a:xfrm>
+            <a:off x="2962883" y="2413708"/>
+            <a:ext cx="637013" cy="338554"/>
+          </a:xfrm>
+          <a:prstGeom prst="rect">
+            <a:avLst/>
+          </a:prstGeom>
+          <a:solidFill>
+            <a:schemeClr val="bg1">
+              <a:lumMod val="95000"/>
+              <a:alpha val="50000"/>
+            </a:schemeClr>
+          </a:solidFill>
+        </p:spPr>
+        <p:txBody>
+          <a:bodyPr wrap="none" rtlCol="0">
+            <a:spAutoFit/>
+          </a:bodyPr>
+          <a:lstStyle/>
+          <a:p>
+            <a:r>
+              <a:rPr lang="en-US" sz="1600" dirty="0" smtClean="0"/>
+              <a:t>(t3,2</a:t>
+            </a:r>
+            <a:r>
+              <a:rPr lang="en-US" sz="1600" dirty="0" smtClean="0"/>
+              <a:t>)</a:t>
+            </a:r>
+            <a:endParaRPr lang="en-US" sz="1600" dirty="0"/>
+          </a:p>
+        </p:txBody>
+      </p:sp>
+      <p:sp>
+        <p:nvSpPr>
+          <p:cNvPr id="153" name="TextBox 152"/>
+          <p:cNvSpPr txBox="1"/>
+          <p:nvPr/>
+        </p:nvSpPr>
+        <p:spPr>
+          <a:xfrm>
+            <a:off x="3351221" y="1920648"/>
+            <a:ext cx="637013" cy="338554"/>
+          </a:xfrm>
+          <a:prstGeom prst="rect">
+            <a:avLst/>
+          </a:prstGeom>
+          <a:solidFill>
+            <a:schemeClr val="bg1">
+              <a:lumMod val="95000"/>
+              <a:alpha val="50000"/>
+            </a:schemeClr>
+          </a:solidFill>
+        </p:spPr>
+        <p:txBody>
+          <a:bodyPr wrap="none" rtlCol="0">
+            <a:spAutoFit/>
+          </a:bodyPr>
+          <a:lstStyle/>
+          <a:p>
+            <a:r>
+              <a:rPr lang="en-US" sz="1600" dirty="0" smtClean="0"/>
+              <a:t>(t1,1</a:t>
+            </a:r>
+            <a:r>
+              <a:rPr lang="en-US" sz="1600" dirty="0" smtClean="0"/>
+              <a:t>)</a:t>
+            </a:r>
+            <a:endParaRPr lang="en-US" sz="1600" dirty="0"/>
+          </a:p>
+        </p:txBody>
+      </p:sp>
+      <p:sp>
+        <p:nvSpPr>
+          <p:cNvPr id="160" name="TextBox 159"/>
+          <p:cNvSpPr txBox="1"/>
+          <p:nvPr/>
+        </p:nvSpPr>
+        <p:spPr>
+          <a:xfrm>
+            <a:off x="4345851" y="713720"/>
+            <a:ext cx="637013" cy="338554"/>
+          </a:xfrm>
+          <a:prstGeom prst="rect">
+            <a:avLst/>
+          </a:prstGeom>
+          <a:solidFill>
+            <a:schemeClr val="bg1">
+              <a:lumMod val="95000"/>
+              <a:alpha val="50000"/>
+            </a:schemeClr>
+          </a:solidFill>
+        </p:spPr>
+        <p:txBody>
+          <a:bodyPr wrap="none" rtlCol="0">
+            <a:spAutoFit/>
+          </a:bodyPr>
+          <a:lstStyle/>
+          <a:p>
+            <a:r>
+              <a:rPr lang="en-US" sz="1600" dirty="0" smtClean="0"/>
+              <a:t>(t3,2</a:t>
+            </a:r>
+            <a:r>
+              <a:rPr lang="en-US" sz="1600" dirty="0" smtClean="0"/>
+              <a:t>)</a:t>
+            </a:r>
+            <a:endParaRPr lang="en-US" sz="1600" dirty="0"/>
+          </a:p>
+        </p:txBody>
+      </p:sp>
+      <p:sp>
+        <p:nvSpPr>
+          <p:cNvPr id="166" name="TextBox 165"/>
+          <p:cNvSpPr txBox="1"/>
+          <p:nvPr/>
+        </p:nvSpPr>
+        <p:spPr>
+          <a:xfrm>
+            <a:off x="3995425" y="3396201"/>
+            <a:ext cx="637013" cy="338554"/>
+          </a:xfrm>
+          <a:prstGeom prst="rect">
+            <a:avLst/>
+          </a:prstGeom>
+          <a:solidFill>
+            <a:schemeClr val="bg1">
+              <a:lumMod val="95000"/>
+              <a:alpha val="50000"/>
+            </a:schemeClr>
+          </a:solidFill>
+        </p:spPr>
+        <p:txBody>
+          <a:bodyPr wrap="none" rtlCol="0">
+            <a:spAutoFit/>
+          </a:bodyPr>
+          <a:lstStyle/>
+          <a:p>
+            <a:r>
+              <a:rPr lang="en-US" sz="1600" dirty="0" smtClean="0"/>
+              <a:t>(t3,4</a:t>
+            </a:r>
+            <a:r>
+              <a:rPr lang="en-US" sz="1600" dirty="0" smtClean="0"/>
+              <a:t>)</a:t>
+            </a:r>
+            <a:endParaRPr lang="en-US" sz="1600" dirty="0"/>
           </a:p>
         </p:txBody>
       </p:sp>
@@ -7745,7 +7974,7 @@
         </p:nvGrpSpPr>
         <p:grpSpPr>
           <a:xfrm>
-            <a:off x="1855073" y="1014450"/>
+            <a:off x="1855073" y="1526039"/>
             <a:ext cx="402336" cy="419140"/>
             <a:chOff x="2941562" y="2797709"/>
             <a:chExt cx="402336" cy="419140"/>
@@ -7834,7 +8063,7 @@
         </p:nvGrpSpPr>
         <p:grpSpPr>
           <a:xfrm>
-            <a:off x="4154001" y="1031107"/>
+            <a:off x="4154001" y="1542696"/>
             <a:ext cx="402336" cy="419140"/>
             <a:chOff x="2941562" y="2797709"/>
             <a:chExt cx="402336" cy="419140"/>
@@ -7926,7 +8155,7 @@
         </p:nvCxnSpPr>
         <p:spPr>
           <a:xfrm>
-            <a:off x="2249277" y="2352971"/>
+            <a:off x="2249277" y="2864560"/>
             <a:ext cx="1904724" cy="16657"/>
           </a:xfrm>
           <a:prstGeom prst="straightConnector1">
@@ -7963,7 +8192,7 @@
         </p:nvGrpSpPr>
         <p:grpSpPr>
           <a:xfrm>
-            <a:off x="1846941" y="2135072"/>
+            <a:off x="1846941" y="2646661"/>
             <a:ext cx="402336" cy="419140"/>
             <a:chOff x="2941562" y="2797709"/>
             <a:chExt cx="402336" cy="419140"/>
@@ -8052,7 +8281,7 @@
         </p:nvGrpSpPr>
         <p:grpSpPr>
           <a:xfrm>
-            <a:off x="4154001" y="2151729"/>
+            <a:off x="4154001" y="2663318"/>
             <a:ext cx="402336" cy="419140"/>
             <a:chOff x="2941562" y="2797709"/>
             <a:chExt cx="402336" cy="419140"/>
@@ -8141,7 +8370,7 @@
         </p:nvGrpSpPr>
         <p:grpSpPr>
           <a:xfrm>
-            <a:off x="1855073" y="3205318"/>
+            <a:off x="1855073" y="3716907"/>
             <a:ext cx="402336" cy="419140"/>
             <a:chOff x="2941562" y="2797709"/>
             <a:chExt cx="402336" cy="419140"/>
@@ -8233,7 +8462,7 @@
         </p:nvCxnSpPr>
         <p:spPr>
           <a:xfrm flipH="1">
-            <a:off x="2041554" y="2554212"/>
+            <a:off x="2041554" y="3065801"/>
             <a:ext cx="6555" cy="651106"/>
           </a:xfrm>
           <a:prstGeom prst="straightConnector1">
@@ -8273,7 +8502,7 @@
         </p:nvCxnSpPr>
         <p:spPr>
           <a:xfrm>
-            <a:off x="4355169" y="1450247"/>
+            <a:off x="4355169" y="1961836"/>
             <a:ext cx="0" cy="718139"/>
           </a:xfrm>
           <a:prstGeom prst="straightConnector1">
@@ -8313,7 +8542,7 @@
         </p:nvCxnSpPr>
         <p:spPr>
           <a:xfrm flipH="1">
-            <a:off x="2048109" y="1433590"/>
+            <a:off x="2048109" y="1945179"/>
             <a:ext cx="8132" cy="718139"/>
           </a:xfrm>
           <a:prstGeom prst="straightConnector1">
@@ -8350,13 +8579,17 @@
         </p:nvSpPr>
         <p:spPr>
           <a:xfrm>
-            <a:off x="410501" y="1005316"/>
-            <a:ext cx="1344914" cy="369332"/>
+            <a:off x="463421" y="1534546"/>
+            <a:ext cx="1422184" cy="338554"/>
           </a:xfrm>
           <a:prstGeom prst="rect">
             <a:avLst/>
           </a:prstGeom>
-          <a:noFill/>
+          <a:solidFill>
+            <a:srgbClr val="F2F2F2">
+              <a:alpha val="50000"/>
+            </a:srgbClr>
+          </a:solidFill>
         </p:spPr>
         <p:txBody>
           <a:bodyPr wrap="none" rtlCol="0">
@@ -8365,14 +8598,18 @@
           <a:lstStyle/>
           <a:p>
             <a:r>
-              <a:rPr lang="en-US" dirty="0" err="1" smtClean="0"/>
+              <a:rPr lang="en-US" sz="1600" dirty="0" err="1" smtClean="0"/>
               <a:t>BitSet</a:t>
             </a:r>
             <a:r>
-              <a:rPr lang="en-US" dirty="0" smtClean="0"/>
-              <a:t>(1,2,3)</a:t>
-            </a:r>
-            <a:endParaRPr lang="en-US" dirty="0"/>
+              <a:rPr lang="en-US" sz="1600" dirty="0" smtClean="0"/>
+              <a:t>(t1,t2,t3</a:t>
+            </a:r>
+            <a:r>
+              <a:rPr lang="en-US" sz="1600" dirty="0" smtClean="0"/>
+              <a:t>)</a:t>
+            </a:r>
+            <a:endParaRPr lang="en-US" sz="1600" dirty="0"/>
           </a:p>
         </p:txBody>
       </p:sp>
@@ -8384,13 +8621,17 @@
         </p:nvSpPr>
         <p:spPr>
           <a:xfrm>
-            <a:off x="4756926" y="920493"/>
-            <a:ext cx="1170325" cy="369332"/>
+            <a:off x="4756926" y="1556817"/>
+            <a:ext cx="1198265" cy="338554"/>
           </a:xfrm>
           <a:prstGeom prst="rect">
             <a:avLst/>
           </a:prstGeom>
-          <a:noFill/>
+          <a:solidFill>
+            <a:srgbClr val="F2F2F2">
+              <a:alpha val="50000"/>
+            </a:srgbClr>
+          </a:solidFill>
         </p:spPr>
         <p:txBody>
           <a:bodyPr wrap="none" rtlCol="0">
@@ -8399,14 +8640,18 @@
           <a:lstStyle/>
           <a:p>
             <a:r>
-              <a:rPr lang="en-US" dirty="0" err="1" smtClean="0"/>
+              <a:rPr lang="en-US" sz="1600" dirty="0" err="1" smtClean="0"/>
               <a:t>BitSet</a:t>
             </a:r>
             <a:r>
-              <a:rPr lang="en-US" dirty="0" smtClean="0"/>
-              <a:t>(1,2)</a:t>
-            </a:r>
-            <a:endParaRPr lang="en-US" dirty="0"/>
+              <a:rPr lang="en-US" sz="1600" dirty="0" smtClean="0"/>
+              <a:t>(t1,t2</a:t>
+            </a:r>
+            <a:r>
+              <a:rPr lang="en-US" sz="1600" dirty="0" smtClean="0"/>
+              <a:t>)</a:t>
+            </a:r>
+            <a:endParaRPr lang="en-US" sz="1600" dirty="0"/>
           </a:p>
         </p:txBody>
       </p:sp>
@@ -8418,13 +8663,17 @@
         </p:nvSpPr>
         <p:spPr>
           <a:xfrm>
-            <a:off x="410501" y="2184880"/>
-            <a:ext cx="1344914" cy="369332"/>
+            <a:off x="498701" y="2696469"/>
+            <a:ext cx="1422184" cy="338554"/>
           </a:xfrm>
           <a:prstGeom prst="rect">
             <a:avLst/>
           </a:prstGeom>
-          <a:noFill/>
+          <a:solidFill>
+            <a:srgbClr val="F2F2F2">
+              <a:alpha val="50000"/>
+            </a:srgbClr>
+          </a:solidFill>
         </p:spPr>
         <p:txBody>
           <a:bodyPr wrap="none" rtlCol="0">
@@ -8433,14 +8682,18 @@
           <a:lstStyle/>
           <a:p>
             <a:r>
-              <a:rPr lang="en-US" dirty="0" err="1" smtClean="0"/>
+              <a:rPr lang="en-US" sz="1600" dirty="0" err="1" smtClean="0"/>
               <a:t>BitSet</a:t>
             </a:r>
             <a:r>
-              <a:rPr lang="en-US" dirty="0" smtClean="0"/>
-              <a:t>(1,2,3)</a:t>
-            </a:r>
-            <a:endParaRPr lang="en-US" dirty="0"/>
+              <a:rPr lang="en-US" sz="1600" dirty="0" smtClean="0"/>
+              <a:t>(t1,t2,t3</a:t>
+            </a:r>
+            <a:r>
+              <a:rPr lang="en-US" sz="1600" dirty="0" smtClean="0"/>
+              <a:t>)</a:t>
+            </a:r>
+            <a:endParaRPr lang="en-US" sz="1600" dirty="0"/>
           </a:p>
         </p:txBody>
       </p:sp>
@@ -8452,13 +8705,17 @@
         </p:nvSpPr>
         <p:spPr>
           <a:xfrm>
-            <a:off x="4773154" y="1907963"/>
-            <a:ext cx="1344914" cy="369332"/>
+            <a:off x="4739286" y="2698638"/>
+            <a:ext cx="1422184" cy="338554"/>
           </a:xfrm>
           <a:prstGeom prst="rect">
             <a:avLst/>
           </a:prstGeom>
-          <a:noFill/>
+          <a:solidFill>
+            <a:srgbClr val="F2F2F2">
+              <a:alpha val="50000"/>
+            </a:srgbClr>
+          </a:solidFill>
         </p:spPr>
         <p:txBody>
           <a:bodyPr wrap="none" rtlCol="0">
@@ -8467,14 +8724,14 @@
           <a:lstStyle/>
           <a:p>
             <a:r>
-              <a:rPr lang="en-US" dirty="0" err="1" smtClean="0"/>
+              <a:rPr lang="en-US" sz="1600" dirty="0" err="1" smtClean="0"/>
               <a:t>BitSet</a:t>
             </a:r>
             <a:r>
-              <a:rPr lang="en-US" dirty="0" smtClean="0"/>
-              <a:t>(1,2,3)</a:t>
-            </a:r>
-            <a:endParaRPr lang="en-US" dirty="0"/>
+              <a:rPr lang="en-US" sz="1600" dirty="0" smtClean="0"/>
+              <a:t>(t1,t2,t3)</a:t>
+            </a:r>
+            <a:endParaRPr lang="en-US" sz="1600" dirty="0"/>
           </a:p>
         </p:txBody>
       </p:sp>
@@ -8486,13 +8743,17 @@
         </p:nvSpPr>
         <p:spPr>
           <a:xfrm>
-            <a:off x="585090" y="3221975"/>
-            <a:ext cx="1170325" cy="369332"/>
+            <a:off x="673290" y="3733564"/>
+            <a:ext cx="1198265" cy="338554"/>
           </a:xfrm>
           <a:prstGeom prst="rect">
             <a:avLst/>
           </a:prstGeom>
-          <a:noFill/>
+          <a:solidFill>
+            <a:srgbClr val="F2F2F2">
+              <a:alpha val="50000"/>
+            </a:srgbClr>
+          </a:solidFill>
         </p:spPr>
         <p:txBody>
           <a:bodyPr wrap="none" rtlCol="0">
@@ -8501,14 +8762,18 @@
           <a:lstStyle/>
           <a:p>
             <a:r>
-              <a:rPr lang="en-US" dirty="0" err="1" smtClean="0"/>
+              <a:rPr lang="en-US" sz="1600" dirty="0" err="1" smtClean="0"/>
               <a:t>BitSet</a:t>
             </a:r>
             <a:r>
-              <a:rPr lang="en-US" dirty="0" smtClean="0"/>
-              <a:t>(2,3)</a:t>
-            </a:r>
-            <a:endParaRPr lang="en-US" dirty="0"/>
+              <a:rPr lang="en-US" sz="1600" dirty="0" smtClean="0"/>
+              <a:t>(t2,t3</a:t>
+            </a:r>
+            <a:r>
+              <a:rPr lang="en-US" sz="1600" dirty="0" smtClean="0"/>
+              <a:t>)</a:t>
+            </a:r>
+            <a:endParaRPr lang="en-US" sz="1600" dirty="0"/>
           </a:p>
         </p:txBody>
       </p:sp>
@@ -8520,13 +8785,17 @@
         </p:nvSpPr>
         <p:spPr>
           <a:xfrm>
-            <a:off x="4756926" y="3221469"/>
-            <a:ext cx="995735" cy="369332"/>
+            <a:off x="4668726" y="3768340"/>
+            <a:ext cx="974345" cy="338554"/>
           </a:xfrm>
           <a:prstGeom prst="rect">
             <a:avLst/>
           </a:prstGeom>
-          <a:noFill/>
+          <a:solidFill>
+            <a:srgbClr val="F2F2F2">
+              <a:alpha val="50000"/>
+            </a:srgbClr>
+          </a:solidFill>
         </p:spPr>
         <p:txBody>
           <a:bodyPr wrap="none" rtlCol="0">
@@ -8535,14 +8804,18 @@
           <a:lstStyle/>
           <a:p>
             <a:r>
-              <a:rPr lang="en-US" dirty="0" err="1" smtClean="0"/>
+              <a:rPr lang="en-US" sz="1600" dirty="0" err="1" smtClean="0"/>
               <a:t>BitSet</a:t>
             </a:r>
             <a:r>
-              <a:rPr lang="en-US" dirty="0" smtClean="0"/>
-              <a:t>(3)</a:t>
-            </a:r>
-            <a:endParaRPr lang="en-US" dirty="0"/>
+              <a:rPr lang="en-US" sz="1600" dirty="0" smtClean="0"/>
+              <a:t>(t3</a:t>
+            </a:r>
+            <a:r>
+              <a:rPr lang="en-US" sz="1600" dirty="0" smtClean="0"/>
+              <a:t>)</a:t>
+            </a:r>
+            <a:endParaRPr lang="en-US" sz="1600" dirty="0"/>
           </a:p>
         </p:txBody>
       </p:sp>
@@ -8554,13 +8827,17 @@
         </p:nvSpPr>
         <p:spPr>
           <a:xfrm>
-            <a:off x="2703646" y="359338"/>
-            <a:ext cx="616237" cy="369332"/>
+            <a:off x="2703646" y="870927"/>
+            <a:ext cx="637013" cy="338554"/>
           </a:xfrm>
           <a:prstGeom prst="rect">
             <a:avLst/>
           </a:prstGeom>
-          <a:noFill/>
+          <a:solidFill>
+            <a:srgbClr val="F2F2F2">
+              <a:alpha val="50000"/>
+            </a:srgbClr>
+          </a:solidFill>
         </p:spPr>
         <p:txBody>
           <a:bodyPr wrap="none" rtlCol="0">
@@ -8569,10 +8846,14 @@
           <a:lstStyle/>
           <a:p>
             <a:r>
-              <a:rPr lang="en-US" dirty="0" smtClean="0"/>
-              <a:t>(1,3)</a:t>
-            </a:r>
-            <a:endParaRPr lang="en-US" dirty="0"/>
+              <a:rPr lang="en-US" sz="1600" dirty="0" smtClean="0"/>
+              <a:t>(t1,3</a:t>
+            </a:r>
+            <a:r>
+              <a:rPr lang="en-US" sz="1600" dirty="0" smtClean="0"/>
+              <a:t>)</a:t>
+            </a:r>
+            <a:endParaRPr lang="en-US" sz="1600" dirty="0"/>
           </a:p>
         </p:txBody>
       </p:sp>
@@ -8584,13 +8865,17 @@
         </p:nvSpPr>
         <p:spPr>
           <a:xfrm>
-            <a:off x="1456694" y="1639047"/>
-            <a:ext cx="616237" cy="369332"/>
+            <a:off x="1456694" y="2150636"/>
+            <a:ext cx="637013" cy="338554"/>
           </a:xfrm>
           <a:prstGeom prst="rect">
             <a:avLst/>
           </a:prstGeom>
-          <a:noFill/>
+          <a:solidFill>
+            <a:srgbClr val="F2F2F2">
+              <a:alpha val="50000"/>
+            </a:srgbClr>
+          </a:solidFill>
         </p:spPr>
         <p:txBody>
           <a:bodyPr wrap="none" rtlCol="0">
@@ -8599,10 +8884,14 @@
           <a:lstStyle/>
           <a:p>
             <a:r>
-              <a:rPr lang="en-US" dirty="0" smtClean="0"/>
-              <a:t>(1,4)</a:t>
-            </a:r>
-            <a:endParaRPr lang="en-US" dirty="0"/>
+              <a:rPr lang="en-US" sz="1600" dirty="0" smtClean="0"/>
+              <a:t>(t1,4</a:t>
+            </a:r>
+            <a:r>
+              <a:rPr lang="en-US" sz="1600" dirty="0" smtClean="0"/>
+              <a:t>)</a:t>
+            </a:r>
+            <a:endParaRPr lang="en-US" sz="1600" dirty="0"/>
           </a:p>
         </p:txBody>
       </p:sp>
@@ -8614,13 +8903,17 @@
         </p:nvSpPr>
         <p:spPr>
           <a:xfrm>
-            <a:off x="4231689" y="1535730"/>
-            <a:ext cx="616237" cy="369332"/>
+            <a:off x="4178769" y="2135524"/>
+            <a:ext cx="637013" cy="338554"/>
           </a:xfrm>
           <a:prstGeom prst="rect">
             <a:avLst/>
           </a:prstGeom>
-          <a:noFill/>
+          <a:solidFill>
+            <a:srgbClr val="F2F2F2">
+              <a:alpha val="50000"/>
+            </a:srgbClr>
+          </a:solidFill>
         </p:spPr>
         <p:txBody>
           <a:bodyPr wrap="none" rtlCol="0">
@@ -8629,10 +8922,14 @@
           <a:lstStyle/>
           <a:p>
             <a:r>
-              <a:rPr lang="en-US" dirty="0" smtClean="0"/>
-              <a:t>(2,9)</a:t>
-            </a:r>
-            <a:endParaRPr lang="en-US" dirty="0"/>
+              <a:rPr lang="en-US" sz="1600" dirty="0" smtClean="0"/>
+              <a:t>(t2,9</a:t>
+            </a:r>
+            <a:r>
+              <a:rPr lang="en-US" sz="1600" dirty="0" smtClean="0"/>
+              <a:t>)</a:t>
+            </a:r>
+            <a:endParaRPr lang="en-US" sz="1600" dirty="0"/>
           </a:p>
         </p:txBody>
       </p:sp>
@@ -8644,13 +8941,17 @@
         </p:nvSpPr>
         <p:spPr>
           <a:xfrm>
-            <a:off x="3092933" y="2042662"/>
-            <a:ext cx="616237" cy="369332"/>
+            <a:off x="3092933" y="2554251"/>
+            <a:ext cx="637013" cy="338554"/>
           </a:xfrm>
           <a:prstGeom prst="rect">
             <a:avLst/>
           </a:prstGeom>
-          <a:noFill/>
+          <a:solidFill>
+            <a:srgbClr val="F2F2F2">
+              <a:alpha val="50000"/>
+            </a:srgbClr>
+          </a:solidFill>
         </p:spPr>
         <p:txBody>
           <a:bodyPr wrap="none" rtlCol="0">
@@ -8659,10 +8960,14 @@
           <a:lstStyle/>
           <a:p>
             <a:r>
-              <a:rPr lang="en-US" dirty="0" smtClean="0"/>
-              <a:t>(1,1)</a:t>
-            </a:r>
-            <a:endParaRPr lang="en-US" dirty="0"/>
+              <a:rPr lang="en-US" sz="1600" dirty="0" smtClean="0"/>
+              <a:t>(t1,1</a:t>
+            </a:r>
+            <a:r>
+              <a:rPr lang="en-US" sz="1600" dirty="0" smtClean="0"/>
+              <a:t>)</a:t>
+            </a:r>
+            <a:endParaRPr lang="en-US" sz="1600" dirty="0"/>
           </a:p>
         </p:txBody>
       </p:sp>
@@ -8674,13 +8979,17 @@
         </p:nvSpPr>
         <p:spPr>
           <a:xfrm>
-            <a:off x="2012829" y="2785481"/>
-            <a:ext cx="616237" cy="369332"/>
+            <a:off x="2012829" y="3297070"/>
+            <a:ext cx="637013" cy="338554"/>
           </a:xfrm>
           <a:prstGeom prst="rect">
             <a:avLst/>
           </a:prstGeom>
-          <a:noFill/>
+          <a:solidFill>
+            <a:srgbClr val="F2F2F2">
+              <a:alpha val="50000"/>
+            </a:srgbClr>
+          </a:solidFill>
         </p:spPr>
         <p:txBody>
           <a:bodyPr wrap="none" rtlCol="0">
@@ -8689,10 +8998,14 @@
           <a:lstStyle/>
           <a:p>
             <a:r>
-              <a:rPr lang="en-US" dirty="0" smtClean="0"/>
-              <a:t>(2,1)</a:t>
-            </a:r>
-            <a:endParaRPr lang="en-US" dirty="0"/>
+              <a:rPr lang="en-US" sz="1600" dirty="0" smtClean="0"/>
+              <a:t>(t2,1</a:t>
+            </a:r>
+            <a:r>
+              <a:rPr lang="en-US" sz="1600" dirty="0" smtClean="0"/>
+              <a:t>)</a:t>
+            </a:r>
+            <a:endParaRPr lang="en-US" sz="1600" dirty="0"/>
           </a:p>
         </p:txBody>
       </p:sp>
@@ -8704,7 +9017,7 @@
         </p:nvGrpSpPr>
         <p:grpSpPr>
           <a:xfrm>
-            <a:off x="4138397" y="3221975"/>
+            <a:off x="4138397" y="3733564"/>
             <a:ext cx="402336" cy="419140"/>
             <a:chOff x="2941562" y="2797709"/>
             <a:chExt cx="402336" cy="419140"/>
@@ -8796,7 +9109,7 @@
         </p:nvCxnSpPr>
         <p:spPr>
           <a:xfrm rot="16200000" flipH="1">
-            <a:off x="3182689" y="-126686"/>
+            <a:off x="3182689" y="384903"/>
             <a:ext cx="16657" cy="2298928"/>
           </a:xfrm>
           <a:prstGeom prst="curvedConnector3">
@@ -8838,7 +9151,7 @@
         </p:nvCxnSpPr>
         <p:spPr>
           <a:xfrm>
-            <a:off x="2257409" y="1232349"/>
+            <a:off x="2257409" y="1743938"/>
             <a:ext cx="1896592" cy="16657"/>
           </a:xfrm>
           <a:prstGeom prst="curvedConnector3">
@@ -8877,13 +9190,17 @@
         </p:nvSpPr>
         <p:spPr>
           <a:xfrm>
-            <a:off x="2856046" y="881070"/>
-            <a:ext cx="616237" cy="369332"/>
+            <a:off x="2856046" y="1392659"/>
+            <a:ext cx="637013" cy="338554"/>
           </a:xfrm>
           <a:prstGeom prst="rect">
             <a:avLst/>
           </a:prstGeom>
-          <a:noFill/>
+          <a:solidFill>
+            <a:srgbClr val="F2F2F2">
+              <a:alpha val="50000"/>
+            </a:srgbClr>
+          </a:solidFill>
         </p:spPr>
         <p:txBody>
           <a:bodyPr wrap="none" rtlCol="0">
@@ -8892,10 +9209,14 @@
           <a:lstStyle/>
           <a:p>
             <a:r>
-              <a:rPr lang="en-US" dirty="0" smtClean="0"/>
-              <a:t>(2,3)</a:t>
-            </a:r>
-            <a:endParaRPr lang="en-US" dirty="0"/>
+              <a:rPr lang="en-US" sz="1600" dirty="0" smtClean="0"/>
+              <a:t>(t2,3</a:t>
+            </a:r>
+            <a:r>
+              <a:rPr lang="en-US" sz="1600" dirty="0" smtClean="0"/>
+              <a:t>)</a:t>
+            </a:r>
+            <a:endParaRPr lang="en-US" sz="1600" dirty="0"/>
           </a:p>
         </p:txBody>
       </p:sp>
@@ -8907,7 +9228,7 @@
         </p:nvCxnSpPr>
         <p:spPr>
           <a:xfrm flipH="1">
-            <a:off x="2081507" y="1440829"/>
+            <a:off x="2081507" y="1952418"/>
             <a:ext cx="7513" cy="717012"/>
           </a:xfrm>
           <a:prstGeom prst="curvedConnector3">
@@ -8946,13 +9267,17 @@
         </p:nvSpPr>
         <p:spPr>
           <a:xfrm>
-            <a:off x="2275049" y="1632669"/>
-            <a:ext cx="616237" cy="369332"/>
+            <a:off x="2275049" y="2144258"/>
+            <a:ext cx="637013" cy="338554"/>
           </a:xfrm>
           <a:prstGeom prst="rect">
             <a:avLst/>
           </a:prstGeom>
-          <a:noFill/>
+          <a:solidFill>
+            <a:srgbClr val="F2F2F2">
+              <a:alpha val="50000"/>
+            </a:srgbClr>
+          </a:solidFill>
         </p:spPr>
         <p:txBody>
           <a:bodyPr wrap="none" rtlCol="0">
@@ -8961,10 +9286,14 @@
           <a:lstStyle/>
           <a:p>
             <a:r>
-              <a:rPr lang="en-US" dirty="0" smtClean="0"/>
-              <a:t>(2,2)</a:t>
-            </a:r>
-            <a:endParaRPr lang="en-US" dirty="0"/>
+              <a:rPr lang="en-US" sz="1600" dirty="0" smtClean="0"/>
+              <a:t>(t2,2</a:t>
+            </a:r>
+            <a:r>
+              <a:rPr lang="en-US" sz="1600" dirty="0" smtClean="0"/>
+              <a:t>)</a:t>
+            </a:r>
+            <a:endParaRPr lang="en-US" sz="1600" dirty="0"/>
           </a:p>
         </p:txBody>
       </p:sp>
@@ -8976,7 +9305,7 @@
         </p:nvCxnSpPr>
         <p:spPr>
           <a:xfrm>
-            <a:off x="4298378" y="1433590"/>
+            <a:off x="4298378" y="1945179"/>
             <a:ext cx="7513" cy="717012"/>
           </a:xfrm>
           <a:prstGeom prst="curvedConnector3">
@@ -9015,13 +9344,17 @@
         </p:nvSpPr>
         <p:spPr>
           <a:xfrm>
-            <a:off x="3527769" y="1298839"/>
-            <a:ext cx="616237" cy="369332"/>
+            <a:off x="3527769" y="1810428"/>
+            <a:ext cx="637013" cy="338554"/>
           </a:xfrm>
           <a:prstGeom prst="rect">
             <a:avLst/>
           </a:prstGeom>
-          <a:noFill/>
+          <a:solidFill>
+            <a:srgbClr val="F2F2F2">
+              <a:alpha val="50000"/>
+            </a:srgbClr>
+          </a:solidFill>
         </p:spPr>
         <p:txBody>
           <a:bodyPr wrap="none" rtlCol="0">
@@ -9030,10 +9363,14 @@
           <a:lstStyle/>
           <a:p>
             <a:r>
-              <a:rPr lang="en-US" dirty="0" smtClean="0"/>
-              <a:t>(1,8)</a:t>
-            </a:r>
-            <a:endParaRPr lang="en-US" dirty="0"/>
+              <a:rPr lang="en-US" sz="1600" dirty="0" smtClean="0"/>
+              <a:t>(t1,8</a:t>
+            </a:r>
+            <a:r>
+              <a:rPr lang="en-US" sz="1600" dirty="0" smtClean="0"/>
+              <a:t>)</a:t>
+            </a:r>
+            <a:endParaRPr lang="en-US" sz="1600" dirty="0"/>
           </a:p>
         </p:txBody>
       </p:sp>
@@ -9045,7 +9382,7 @@
         </p:nvCxnSpPr>
         <p:spPr>
           <a:xfrm rot="5400000" flipH="1" flipV="1">
-            <a:off x="3217968" y="1416191"/>
+            <a:off x="3217968" y="1927780"/>
             <a:ext cx="16657" cy="2298928"/>
           </a:xfrm>
           <a:prstGeom prst="curvedConnector3">
@@ -9084,13 +9421,17 @@
         </p:nvSpPr>
         <p:spPr>
           <a:xfrm>
-            <a:off x="2943337" y="2336268"/>
-            <a:ext cx="616237" cy="369332"/>
+            <a:off x="2943337" y="2847857"/>
+            <a:ext cx="637013" cy="338554"/>
           </a:xfrm>
           <a:prstGeom prst="rect">
             <a:avLst/>
           </a:prstGeom>
-          <a:noFill/>
+          <a:solidFill>
+            <a:srgbClr val="F2F2F2">
+              <a:alpha val="50000"/>
+            </a:srgbClr>
+          </a:solidFill>
         </p:spPr>
         <p:txBody>
           <a:bodyPr wrap="none" rtlCol="0">
@@ -9099,10 +9440,14 @@
           <a:lstStyle/>
           <a:p>
             <a:r>
-              <a:rPr lang="en-US" dirty="0" smtClean="0"/>
-              <a:t>(2,2)</a:t>
-            </a:r>
-            <a:endParaRPr lang="en-US" dirty="0"/>
+              <a:rPr lang="en-US" sz="1600" dirty="0" smtClean="0"/>
+              <a:t>(t2,2</a:t>
+            </a:r>
+            <a:r>
+              <a:rPr lang="en-US" sz="1600" dirty="0" smtClean="0"/>
+              <a:t>)</a:t>
+            </a:r>
+            <a:endParaRPr lang="en-US" sz="1600" dirty="0"/>
           </a:p>
         </p:txBody>
       </p:sp>
@@ -9117,7 +9462,7 @@
         </p:nvCxnSpPr>
         <p:spPr>
           <a:xfrm>
-            <a:off x="2257409" y="3423217"/>
+            <a:off x="2257409" y="3934806"/>
             <a:ext cx="1880988" cy="16657"/>
           </a:xfrm>
           <a:prstGeom prst="straightConnector1">
@@ -9154,13 +9499,17 @@
         </p:nvSpPr>
         <p:spPr>
           <a:xfrm>
-            <a:off x="2920427" y="3072803"/>
-            <a:ext cx="616237" cy="369332"/>
+            <a:off x="2920427" y="3584392"/>
+            <a:ext cx="637013" cy="338554"/>
           </a:xfrm>
           <a:prstGeom prst="rect">
             <a:avLst/>
           </a:prstGeom>
-          <a:noFill/>
+          <a:solidFill>
+            <a:srgbClr val="F2F2F2">
+              <a:alpha val="50000"/>
+            </a:srgbClr>
+          </a:solidFill>
         </p:spPr>
         <p:txBody>
           <a:bodyPr wrap="none" rtlCol="0">
@@ -9169,10 +9518,14 @@
           <a:lstStyle/>
           <a:p>
             <a:r>
-              <a:rPr lang="en-US" dirty="0" smtClean="0"/>
-              <a:t>(3,1)</a:t>
-            </a:r>
-            <a:endParaRPr lang="en-US" dirty="0"/>
+              <a:rPr lang="en-US" sz="1600" dirty="0" smtClean="0"/>
+              <a:t>(t3,1</a:t>
+            </a:r>
+            <a:r>
+              <a:rPr lang="en-US" sz="1600" dirty="0" smtClean="0"/>
+              <a:t>)</a:t>
+            </a:r>
+            <a:endParaRPr lang="en-US" sz="1600" dirty="0"/>
           </a:p>
         </p:txBody>
       </p:sp>
@@ -9184,7 +9537,7 @@
         </p:nvCxnSpPr>
         <p:spPr>
           <a:xfrm flipH="1">
-            <a:off x="2089836" y="1451374"/>
+            <a:off x="2089836" y="1962963"/>
             <a:ext cx="7513" cy="717012"/>
           </a:xfrm>
           <a:prstGeom prst="curvedConnector3">
@@ -9223,13 +9576,17 @@
         </p:nvSpPr>
         <p:spPr>
           <a:xfrm>
-            <a:off x="2521835" y="1894277"/>
-            <a:ext cx="616237" cy="369332"/>
+            <a:off x="2521835" y="2405866"/>
+            <a:ext cx="637013" cy="338554"/>
           </a:xfrm>
           <a:prstGeom prst="rect">
             <a:avLst/>
           </a:prstGeom>
-          <a:noFill/>
+          <a:solidFill>
+            <a:srgbClr val="F2F2F2">
+              <a:alpha val="50000"/>
+            </a:srgbClr>
+          </a:solidFill>
         </p:spPr>
         <p:txBody>
           <a:bodyPr wrap="none" rtlCol="0">
@@ -9238,10 +9595,14 @@
           <a:lstStyle/>
           <a:p>
             <a:r>
-              <a:rPr lang="en-US" dirty="0" smtClean="0"/>
-              <a:t>(3,2)</a:t>
-            </a:r>
-            <a:endParaRPr lang="en-US" dirty="0"/>
+              <a:rPr lang="en-US" sz="1600" dirty="0" smtClean="0"/>
+              <a:t>(t3,2</a:t>
+            </a:r>
+            <a:r>
+              <a:rPr lang="en-US" sz="1600" dirty="0" smtClean="0"/>
+              <a:t>)</a:t>
+            </a:r>
+            <a:endParaRPr lang="en-US" sz="1600" dirty="0"/>
           </a:p>
         </p:txBody>
       </p:sp>
@@ -9256,7 +9617,7 @@
         </p:nvCxnSpPr>
         <p:spPr>
           <a:xfrm>
-            <a:off x="2198488" y="1374648"/>
+            <a:off x="2198488" y="1886237"/>
             <a:ext cx="2014434" cy="852680"/>
           </a:xfrm>
           <a:prstGeom prst="line">
@@ -9293,13 +9654,17 @@
         </p:nvSpPr>
         <p:spPr>
           <a:xfrm>
-            <a:off x="2910173" y="1401217"/>
-            <a:ext cx="616237" cy="369332"/>
+            <a:off x="2910173" y="1912806"/>
+            <a:ext cx="637013" cy="338554"/>
           </a:xfrm>
           <a:prstGeom prst="rect">
             <a:avLst/>
           </a:prstGeom>
-          <a:noFill/>
+          <a:solidFill>
+            <a:srgbClr val="F2F2F2">
+              <a:alpha val="50000"/>
+            </a:srgbClr>
+          </a:solidFill>
         </p:spPr>
         <p:txBody>
           <a:bodyPr wrap="none" rtlCol="0">
@@ -9308,10 +9673,14 @@
           <a:lstStyle/>
           <a:p>
             <a:r>
-              <a:rPr lang="en-US" dirty="0" smtClean="0"/>
-              <a:t>(1,1)</a:t>
-            </a:r>
-            <a:endParaRPr lang="en-US" dirty="0"/>
+              <a:rPr lang="en-US" sz="1600" dirty="0" smtClean="0"/>
+              <a:t>(t1,1</a:t>
+            </a:r>
+            <a:r>
+              <a:rPr lang="en-US" sz="1600" dirty="0" smtClean="0"/>
+              <a:t>)</a:t>
+            </a:r>
+            <a:endParaRPr lang="en-US" sz="1600" dirty="0"/>
           </a:p>
         </p:txBody>
       </p:sp>
@@ -9326,7 +9695,7 @@
         </p:nvCxnSpPr>
         <p:spPr>
           <a:xfrm rot="16200000" flipH="1">
-            <a:off x="2595375" y="408667"/>
+            <a:off x="2595375" y="920256"/>
             <a:ext cx="1279579" cy="2642343"/>
           </a:xfrm>
           <a:prstGeom prst="curvedConnector4">
@@ -9366,13 +9735,17 @@
         </p:nvSpPr>
         <p:spPr>
           <a:xfrm>
-            <a:off x="3904803" y="194289"/>
-            <a:ext cx="616237" cy="369332"/>
+            <a:off x="3904803" y="705878"/>
+            <a:ext cx="637013" cy="338554"/>
           </a:xfrm>
           <a:prstGeom prst="rect">
             <a:avLst/>
           </a:prstGeom>
-          <a:noFill/>
+          <a:solidFill>
+            <a:srgbClr val="F2F2F2">
+              <a:alpha val="50000"/>
+            </a:srgbClr>
+          </a:solidFill>
         </p:spPr>
         <p:txBody>
           <a:bodyPr wrap="none" rtlCol="0">
@@ -9381,56 +9754,14 @@
           <a:lstStyle/>
           <a:p>
             <a:r>
-              <a:rPr lang="en-US" dirty="0" smtClean="0"/>
-              <a:t>(3,2)</a:t>
-            </a:r>
-            <a:endParaRPr lang="en-US" dirty="0"/>
-          </a:p>
-        </p:txBody>
-      </p:sp>
-      <p:sp>
-        <p:nvSpPr>
-          <p:cNvPr id="161" name="TextBox 160"/>
-          <p:cNvSpPr txBox="1"/>
-          <p:nvPr/>
-        </p:nvSpPr>
-        <p:spPr>
-          <a:xfrm>
-            <a:off x="559042" y="5162172"/>
-            <a:ext cx="1707506" cy="923330"/>
-          </a:xfrm>
-          <a:prstGeom prst="rect">
-            <a:avLst/>
-          </a:prstGeom>
-          <a:noFill/>
-        </p:spPr>
-        <p:txBody>
-          <a:bodyPr wrap="none" rtlCol="0">
-            <a:spAutoFit/>
-          </a:bodyPr>
-          <a:lstStyle/>
-          <a:p>
-            <a:r>
-              <a:rPr lang="en-US" dirty="0" smtClean="0"/>
-              <a:t>[2010, </a:t>
-            </a:r>
-            <a:r>
-              <a:rPr lang="en-US" dirty="0" smtClean="0"/>
-              <a:t>2011) – 1</a:t>
-            </a:r>
-          </a:p>
-          <a:p>
-            <a:r>
-              <a:rPr lang="en-US" dirty="0" smtClean="0"/>
-              <a:t>[2011, 2012) – 2</a:t>
-            </a:r>
-          </a:p>
-          <a:p>
-            <a:r>
-              <a:rPr lang="en-US" dirty="0" smtClean="0"/>
-              <a:t>[2012, 2013) – 3</a:t>
-            </a:r>
-            <a:endParaRPr lang="en-US" dirty="0"/>
+              <a:rPr lang="en-US" sz="1600" dirty="0" smtClean="0"/>
+              <a:t>(t3,2</a:t>
+            </a:r>
+            <a:r>
+              <a:rPr lang="en-US" sz="1600" dirty="0" smtClean="0"/>
+              <a:t>)</a:t>
+            </a:r>
+            <a:endParaRPr lang="en-US" sz="1600" dirty="0"/>
           </a:p>
         </p:txBody>
       </p:sp>
@@ -9443,14 +9774,14 @@
           <p:nvPr>
             <p:extLst>
               <p:ext uri="{D42A27DB-BD31-4B8C-83A1-F6EECF244321}">
-                <p14:modId xmlns:p14="http://schemas.microsoft.com/office/powerpoint/2010/main" val="2415488272"/>
+                <p14:modId xmlns:p14="http://schemas.microsoft.com/office/powerpoint/2010/main" val="3810891222"/>
               </p:ext>
             </p:extLst>
           </p:nvPr>
         </p:nvGraphicFramePr>
         <p:xfrm>
-          <a:off x="6297386" y="1069205"/>
-          <a:ext cx="2846613" cy="2370669"/>
+          <a:off x="1735251" y="4312067"/>
+          <a:ext cx="2846613" cy="2021110"/>
         </p:xfrm>
         <a:graphic>
           <a:graphicData uri="http://schemas.openxmlformats.org/drawingml/2006/table">
@@ -9464,7 +9795,7 @@
                 <a:gridCol w="824850"/>
                 <a:gridCol w="740940"/>
               </a:tblGrid>
-              <a:tr h="338667">
+              <a:tr h="288730">
                 <a:tc>
                   <a:txBody>
                     <a:bodyPr/>
@@ -9478,7 +9809,7 @@
                       <a:endParaRPr lang="en-US" sz="1600" b="1" u="none" dirty="0"/>
                     </a:p>
                   </a:txBody>
-                  <a:tcPr>
+                  <a:tcPr marT="18288" marB="18288">
                     <a:lnB w="12700" cap="flat" cmpd="sng" algn="ctr">
                       <a:solidFill>
                         <a:scrgbClr r="0" g="0" b="0"/>
@@ -9508,7 +9839,7 @@
                       <a:endParaRPr lang="en-US" sz="1600" b="1" dirty="0"/>
                     </a:p>
                   </a:txBody>
-                  <a:tcPr>
+                  <a:tcPr marT="18288" marB="18288">
                     <a:lnB w="12700" cap="flat" cmpd="sng" algn="ctr">
                       <a:solidFill>
                         <a:scrgbClr r="0" g="0" b="0"/>
@@ -9538,7 +9869,7 @@
                       <a:endParaRPr lang="en-US" sz="1600" b="1" dirty="0"/>
                     </a:p>
                   </a:txBody>
-                  <a:tcPr>
+                  <a:tcPr marT="18288" marB="18288">
                     <a:lnB w="12700" cap="flat" cmpd="sng" algn="ctr">
                       <a:solidFill>
                         <a:scrgbClr r="0" g="0" b="0"/>
@@ -9568,7 +9899,7 @@
                       <a:endParaRPr lang="en-US" sz="1600" b="1" dirty="0"/>
                     </a:p>
                   </a:txBody>
-                  <a:tcPr>
+                  <a:tcPr marT="18288" marB="18288">
                     <a:lnB w="12700" cap="flat" cmpd="sng" algn="ctr">
                       <a:solidFill>
                         <a:scrgbClr r="0" g="0" b="0"/>
@@ -9586,7 +9917,7 @@
                   </a:tcPr>
                 </a:tc>
               </a:tr>
-              <a:tr h="338667">
+              <a:tr h="288730">
                 <a:tc>
                   <a:txBody>
                     <a:bodyPr/>
@@ -9600,7 +9931,7 @@
                       <a:endParaRPr lang="en-US" sz="1600" dirty="0"/>
                     </a:p>
                   </a:txBody>
-                  <a:tcPr>
+                  <a:tcPr marT="18288" marB="18288">
                     <a:lnT w="12700" cap="flat" cmpd="sng" algn="ctr">
                       <a:solidFill>
                         <a:scrgbClr r="0" g="0" b="0"/>
@@ -9625,7 +9956,7 @@
                       <a:endParaRPr lang="en-US" sz="1600" dirty="0"/>
                     </a:p>
                   </a:txBody>
-                  <a:tcPr>
+                  <a:tcPr marT="18288" marB="18288">
                     <a:lnT w="12700" cap="flat" cmpd="sng" algn="ctr">
                       <a:solidFill>
                         <a:scrgbClr r="0" g="0" b="0"/>
@@ -9650,7 +9981,7 @@
                       <a:endParaRPr lang="en-US" sz="1600" dirty="0"/>
                     </a:p>
                   </a:txBody>
-                  <a:tcPr>
+                  <a:tcPr marT="18288" marB="18288">
                     <a:lnT w="12700" cap="flat" cmpd="sng" algn="ctr">
                       <a:solidFill>
                         <a:scrgbClr r="0" g="0" b="0"/>
@@ -9675,7 +10006,7 @@
                       <a:endParaRPr lang="en-US" sz="1600" dirty="0"/>
                     </a:p>
                   </a:txBody>
-                  <a:tcPr>
+                  <a:tcPr marT="18288" marB="18288">
                     <a:lnT w="12700" cap="flat" cmpd="sng" algn="ctr">
                       <a:solidFill>
                         <a:scrgbClr r="0" g="0" b="0"/>
@@ -9688,7 +10019,7 @@
                   </a:tcPr>
                 </a:tc>
               </a:tr>
-              <a:tr h="338667">
+              <a:tr h="288730">
                 <a:tc>
                   <a:txBody>
                     <a:bodyPr/>
@@ -9702,7 +10033,7 @@
                       <a:endParaRPr lang="en-US" sz="1600" dirty="0"/>
                     </a:p>
                   </a:txBody>
-                  <a:tcPr/>
+                  <a:tcPr marT="18288" marB="18288"/>
                 </a:tc>
                 <a:tc>
                   <a:txBody>
@@ -9717,7 +10048,7 @@
                       <a:endParaRPr lang="en-US" sz="1600" dirty="0"/>
                     </a:p>
                   </a:txBody>
-                  <a:tcPr/>
+                  <a:tcPr marT="18288" marB="18288"/>
                 </a:tc>
                 <a:tc>
                   <a:txBody>
@@ -9732,7 +10063,7 @@
                       <a:endParaRPr lang="en-US" sz="1600" dirty="0"/>
                     </a:p>
                   </a:txBody>
-                  <a:tcPr/>
+                  <a:tcPr marT="18288" marB="18288"/>
                 </a:tc>
                 <a:tc>
                   <a:txBody>
@@ -9747,10 +10078,10 @@
                       <a:endParaRPr lang="en-US" sz="1600" dirty="0"/>
                     </a:p>
                   </a:txBody>
-                  <a:tcPr/>
+                  <a:tcPr marT="18288" marB="18288"/>
                 </a:tc>
               </a:tr>
-              <a:tr h="338667">
+              <a:tr h="288730">
                 <a:tc>
                   <a:txBody>
                     <a:bodyPr/>
@@ -9764,7 +10095,7 @@
                       <a:endParaRPr lang="en-US" sz="1600" dirty="0"/>
                     </a:p>
                   </a:txBody>
-                  <a:tcPr/>
+                  <a:tcPr marT="18288" marB="18288"/>
                 </a:tc>
                 <a:tc>
                   <a:txBody>
@@ -9779,7 +10110,7 @@
                       <a:endParaRPr lang="en-US" sz="1600" dirty="0"/>
                     </a:p>
                   </a:txBody>
-                  <a:tcPr/>
+                  <a:tcPr marT="18288" marB="18288"/>
                 </a:tc>
                 <a:tc>
                   <a:txBody>
@@ -9794,7 +10125,7 @@
                       <a:endParaRPr lang="en-US" sz="1600" dirty="0"/>
                     </a:p>
                   </a:txBody>
-                  <a:tcPr/>
+                  <a:tcPr marT="18288" marB="18288"/>
                 </a:tc>
                 <a:tc>
                   <a:txBody>
@@ -9809,10 +10140,10 @@
                       <a:endParaRPr lang="en-US" sz="1600" dirty="0"/>
                     </a:p>
                   </a:txBody>
-                  <a:tcPr/>
+                  <a:tcPr marT="18288" marB="18288"/>
                 </a:tc>
               </a:tr>
-              <a:tr h="338667">
+              <a:tr h="288730">
                 <a:tc>
                   <a:txBody>
                     <a:bodyPr/>
@@ -9826,7 +10157,7 @@
                       <a:endParaRPr lang="en-US" sz="1600" dirty="0"/>
                     </a:p>
                   </a:txBody>
-                  <a:tcPr/>
+                  <a:tcPr marT="18288" marB="18288"/>
                 </a:tc>
                 <a:tc>
                   <a:txBody>
@@ -9841,7 +10172,7 @@
                       <a:endParaRPr lang="en-US" sz="1600" dirty="0"/>
                     </a:p>
                   </a:txBody>
-                  <a:tcPr/>
+                  <a:tcPr marT="18288" marB="18288"/>
                 </a:tc>
                 <a:tc>
                   <a:txBody>
@@ -9856,7 +10187,7 @@
                       <a:endParaRPr lang="en-US" sz="1600" dirty="0"/>
                     </a:p>
                   </a:txBody>
-                  <a:tcPr/>
+                  <a:tcPr marT="18288" marB="18288"/>
                 </a:tc>
                 <a:tc>
                   <a:txBody>
@@ -9871,10 +10202,10 @@
                       <a:endParaRPr lang="en-US" sz="1600" dirty="0"/>
                     </a:p>
                   </a:txBody>
-                  <a:tcPr/>
+                  <a:tcPr marT="18288" marB="18288"/>
                 </a:tc>
               </a:tr>
-              <a:tr h="338667">
+              <a:tr h="288730">
                 <a:tc>
                   <a:txBody>
                     <a:bodyPr/>
@@ -9888,7 +10219,7 @@
                       <a:endParaRPr lang="en-US" sz="1600" dirty="0"/>
                     </a:p>
                   </a:txBody>
-                  <a:tcPr/>
+                  <a:tcPr marT="18288" marB="18288"/>
                 </a:tc>
                 <a:tc>
                   <a:txBody>
@@ -9903,7 +10234,7 @@
                       <a:endParaRPr lang="en-US" sz="1600" dirty="0"/>
                     </a:p>
                   </a:txBody>
-                  <a:tcPr/>
+                  <a:tcPr marT="18288" marB="18288"/>
                 </a:tc>
                 <a:tc>
                   <a:txBody>
@@ -9918,7 +10249,7 @@
                       <a:endParaRPr lang="en-US" sz="1600" dirty="0"/>
                     </a:p>
                   </a:txBody>
-                  <a:tcPr/>
+                  <a:tcPr marT="18288" marB="18288"/>
                 </a:tc>
                 <a:tc>
                   <a:txBody>
@@ -9933,10 +10264,10 @@
                       <a:endParaRPr lang="en-US" sz="1600" dirty="0"/>
                     </a:p>
                   </a:txBody>
-                  <a:tcPr/>
+                  <a:tcPr marT="18288" marB="18288"/>
                 </a:tc>
               </a:tr>
-              <a:tr h="338667">
+              <a:tr h="288730">
                 <a:tc>
                   <a:txBody>
                     <a:bodyPr/>
@@ -9950,7 +10281,7 @@
                       <a:endParaRPr lang="en-US" sz="1600" dirty="0"/>
                     </a:p>
                   </a:txBody>
-                  <a:tcPr/>
+                  <a:tcPr marT="18288" marB="18288"/>
                 </a:tc>
                 <a:tc>
                   <a:txBody>
@@ -9965,7 +10296,7 @@
                       <a:endParaRPr lang="en-US" sz="1600" dirty="0"/>
                     </a:p>
                   </a:txBody>
-                  <a:tcPr/>
+                  <a:tcPr marT="18288" marB="18288"/>
                 </a:tc>
                 <a:tc>
                   <a:txBody>
@@ -9980,7 +10311,7 @@
                       <a:endParaRPr lang="en-US" sz="1600" dirty="0"/>
                     </a:p>
                   </a:txBody>
-                  <a:tcPr/>
+                  <a:tcPr marT="18288" marB="18288"/>
                 </a:tc>
                 <a:tc>
                   <a:txBody>
@@ -9995,7 +10326,7 @@
                       <a:endParaRPr lang="en-US" sz="1600" dirty="0"/>
                     </a:p>
                   </a:txBody>
-                  <a:tcPr/>
+                  <a:tcPr marT="18288" marB="18288"/>
                 </a:tc>
               </a:tr>
             </a:tbl>
@@ -10010,7 +10341,7 @@
         </p:nvSpPr>
         <p:spPr>
           <a:xfrm>
-            <a:off x="7414542" y="3338812"/>
+            <a:off x="2885875" y="6150860"/>
             <a:ext cx="397164" cy="461665"/>
           </a:xfrm>
           <a:prstGeom prst="rect">
@@ -10040,7 +10371,7 @@
         </p:nvCxnSpPr>
         <p:spPr>
           <a:xfrm rot="16200000" flipH="1">
-            <a:off x="3178624" y="1374712"/>
+            <a:off x="3178624" y="1886301"/>
             <a:ext cx="16657" cy="2307060"/>
           </a:xfrm>
           <a:prstGeom prst="curvedConnector3">
@@ -10079,8 +10410,46 @@
         </p:nvSpPr>
         <p:spPr>
           <a:xfrm>
-            <a:off x="3539690" y="2860113"/>
-            <a:ext cx="616237" cy="369332"/>
+            <a:off x="3539690" y="3371702"/>
+            <a:ext cx="637013" cy="338554"/>
+          </a:xfrm>
+          <a:prstGeom prst="rect">
+            <a:avLst/>
+          </a:prstGeom>
+          <a:solidFill>
+            <a:srgbClr val="F2F2F2">
+              <a:alpha val="50000"/>
+            </a:srgbClr>
+          </a:solidFill>
+        </p:spPr>
+        <p:txBody>
+          <a:bodyPr wrap="none" rtlCol="0">
+            <a:spAutoFit/>
+          </a:bodyPr>
+          <a:lstStyle/>
+          <a:p>
+            <a:r>
+              <a:rPr lang="en-US" sz="1600" dirty="0" smtClean="0"/>
+              <a:t>(t3,4</a:t>
+            </a:r>
+            <a:r>
+              <a:rPr lang="en-US" sz="1600" dirty="0" smtClean="0"/>
+              <a:t>)</a:t>
+            </a:r>
+            <a:endParaRPr lang="en-US" sz="1600" dirty="0"/>
+          </a:p>
+        </p:txBody>
+      </p:sp>
+      <p:sp>
+        <p:nvSpPr>
+          <p:cNvPr id="60" name="TextBox 59"/>
+          <p:cNvSpPr txBox="1"/>
+          <p:nvPr/>
+        </p:nvSpPr>
+        <p:spPr>
+          <a:xfrm>
+            <a:off x="1037001" y="299539"/>
+            <a:ext cx="5450681" cy="361637"/>
           </a:xfrm>
           <a:prstGeom prst="rect">
             <a:avLst/>
@@ -10088,16 +10457,56 @@
           <a:noFill/>
         </p:spPr>
         <p:txBody>
-          <a:bodyPr wrap="none" rtlCol="0">
+          <a:bodyPr wrap="square" rtlCol="0">
             <a:spAutoFit/>
           </a:bodyPr>
           <a:lstStyle/>
           <a:p>
             <a:r>
-              <a:rPr lang="en-US" dirty="0" smtClean="0"/>
-              <a:t>(3,4)</a:t>
-            </a:r>
-            <a:endParaRPr lang="en-US" dirty="0"/>
+              <a:rPr lang="en-US" sz="1750" dirty="0" smtClean="0"/>
+              <a:t>[2010, 2011) </a:t>
+            </a:r>
+            <a:r>
+              <a:rPr lang="en-US" sz="1750" dirty="0" smtClean="0"/>
+              <a:t>– t1</a:t>
+            </a:r>
+            <a:r>
+              <a:rPr lang="en-US" sz="1750" dirty="0" smtClean="0"/>
+              <a:t>  </a:t>
+            </a:r>
+            <a:r>
+              <a:rPr lang="en-US" sz="1750" dirty="0" smtClean="0"/>
+              <a:t>[</a:t>
+            </a:r>
+            <a:r>
+              <a:rPr lang="en-US" sz="1750" dirty="0" smtClean="0"/>
+              <a:t>2011, 2012) – </a:t>
+            </a:r>
+            <a:r>
+              <a:rPr lang="en-US" sz="1750" dirty="0" smtClean="0"/>
+              <a:t>t2</a:t>
+            </a:r>
+            <a:r>
+              <a:rPr lang="en-US" sz="1750" dirty="0"/>
+              <a:t> </a:t>
+            </a:r>
+            <a:r>
+              <a:rPr lang="en-US" sz="1750" dirty="0" smtClean="0"/>
+              <a:t> </a:t>
+            </a:r>
+            <a:r>
+              <a:rPr lang="en-US" sz="1750" dirty="0" smtClean="0"/>
+              <a:t>[</a:t>
+            </a:r>
+            <a:r>
+              <a:rPr lang="en-US" sz="1750" dirty="0" smtClean="0"/>
+              <a:t>2012, 2013) – </a:t>
+            </a:r>
+            <a:r>
+              <a:rPr lang="en-US" sz="1750" dirty="0" smtClean="0"/>
+              <a:t>t3</a:t>
+            </a:r>
+            <a:endParaRPr lang="en-US" sz="1750" dirty="0"/>
           </a:p>
         </p:txBody>
       </p:sp>
@@ -10659,10 +11068,7 @@
       <p:cxnSp>
         <p:nvCxnSpPr>
           <p:cNvPr id="116" name="Straight Arrow Connector 115"/>
-          <p:cNvCxnSpPr>
-            <a:stCxn id="44" idx="4"/>
-            <a:endCxn id="51" idx="0"/>
-          </p:cNvCxnSpPr>
+          <p:cNvCxnSpPr/>
           <p:nvPr/>
         </p:nvCxnSpPr>
         <p:spPr>
@@ -10736,385 +11142,6 @@
           </a:fontRef>
         </p:style>
       </p:cxnSp>
-      <p:sp>
-        <p:nvSpPr>
-          <p:cNvPr id="134" name="TextBox 133"/>
-          <p:cNvSpPr txBox="1"/>
-          <p:nvPr/>
-        </p:nvSpPr>
-        <p:spPr>
-          <a:xfrm>
-            <a:off x="2356788" y="762355"/>
-            <a:ext cx="1644388" cy="923330"/>
-          </a:xfrm>
-          <a:prstGeom prst="rect">
-            <a:avLst/>
-          </a:prstGeom>
-          <a:noFill/>
-        </p:spPr>
-        <p:txBody>
-          <a:bodyPr wrap="none" rtlCol="0">
-            <a:spAutoFit/>
-          </a:bodyPr>
-          <a:lstStyle/>
-          <a:p>
-            <a:r>
-              <a:rPr lang="en-US" dirty="0" smtClean="0"/>
-              <a:t>1 -&gt; (Alice, 150)</a:t>
-            </a:r>
-          </a:p>
-          <a:p>
-            <a:r>
-              <a:rPr lang="en-US" dirty="0" smtClean="0"/>
-              <a:t>2 -&gt; (Alice, 155)</a:t>
-            </a:r>
-          </a:p>
-          <a:p>
-            <a:r>
-              <a:rPr lang="en-US" dirty="0" smtClean="0"/>
-              <a:t>3 -&gt; (Alice, 155)</a:t>
-            </a:r>
-            <a:endParaRPr lang="en-US" dirty="0"/>
-          </a:p>
-        </p:txBody>
-      </p:sp>
-      <p:sp>
-        <p:nvSpPr>
-          <p:cNvPr id="135" name="TextBox 134"/>
-          <p:cNvSpPr txBox="1"/>
-          <p:nvPr/>
-        </p:nvSpPr>
-        <p:spPr>
-          <a:xfrm>
-            <a:off x="6997206" y="920493"/>
-            <a:ext cx="1560982" cy="646331"/>
-          </a:xfrm>
-          <a:prstGeom prst="rect">
-            <a:avLst/>
-          </a:prstGeom>
-          <a:noFill/>
-        </p:spPr>
-        <p:txBody>
-          <a:bodyPr wrap="none" rtlCol="0">
-            <a:spAutoFit/>
-          </a:bodyPr>
-          <a:lstStyle/>
-          <a:p>
-            <a:r>
-              <a:rPr lang="en-US" dirty="0" smtClean="0"/>
-              <a:t>1 -&gt; (Bob, 103)</a:t>
-            </a:r>
-          </a:p>
-          <a:p>
-            <a:r>
-              <a:rPr lang="en-US" dirty="0" smtClean="0"/>
-              <a:t>2 -&gt; (Bob, 113)</a:t>
-            </a:r>
-            <a:endParaRPr lang="en-US" dirty="0"/>
-          </a:p>
-        </p:txBody>
-      </p:sp>
-      <p:sp>
-        <p:nvSpPr>
-          <p:cNvPr id="136" name="TextBox 135"/>
-          <p:cNvSpPr txBox="1"/>
-          <p:nvPr/>
-        </p:nvSpPr>
-        <p:spPr>
-          <a:xfrm>
-            <a:off x="2266548" y="2078943"/>
-            <a:ext cx="1729147" cy="923330"/>
-          </a:xfrm>
-          <a:prstGeom prst="rect">
-            <a:avLst/>
-          </a:prstGeom>
-          <a:noFill/>
-        </p:spPr>
-        <p:txBody>
-          <a:bodyPr wrap="none" rtlCol="0">
-            <a:spAutoFit/>
-          </a:bodyPr>
-          <a:lstStyle/>
-          <a:p>
-            <a:r>
-              <a:rPr lang="en-US" dirty="0" smtClean="0"/>
-              <a:t>1 -&gt; (Cathy, 98)</a:t>
-            </a:r>
-          </a:p>
-          <a:p>
-            <a:r>
-              <a:rPr lang="en-US" dirty="0" smtClean="0"/>
-              <a:t>2 -&gt; (Cathy, 105)</a:t>
-            </a:r>
-          </a:p>
-          <a:p>
-            <a:r>
-              <a:rPr lang="en-US" dirty="0" smtClean="0"/>
-              <a:t>3 -&gt; (Cathy, 105)</a:t>
-            </a:r>
-            <a:endParaRPr lang="en-US" dirty="0"/>
-          </a:p>
-        </p:txBody>
-      </p:sp>
-      <p:sp>
-        <p:nvSpPr>
-          <p:cNvPr id="138" name="TextBox 137"/>
-          <p:cNvSpPr txBox="1"/>
-          <p:nvPr/>
-        </p:nvSpPr>
-        <p:spPr>
-          <a:xfrm>
-            <a:off x="7013434" y="1907963"/>
-            <a:ext cx="1547118" cy="923330"/>
-          </a:xfrm>
-          <a:prstGeom prst="rect">
-            <a:avLst/>
-          </a:prstGeom>
-          <a:noFill/>
-        </p:spPr>
-        <p:txBody>
-          <a:bodyPr wrap="none" rtlCol="0">
-            <a:spAutoFit/>
-          </a:bodyPr>
-          <a:lstStyle/>
-          <a:p>
-            <a:r>
-              <a:rPr lang="en-US" dirty="0" smtClean="0"/>
-              <a:t>1 -&gt; (Dave, 55)</a:t>
-            </a:r>
-          </a:p>
-          <a:p>
-            <a:r>
-              <a:rPr lang="en-US" dirty="0" smtClean="0"/>
-              <a:t>2 -&gt; (Dave, 55)</a:t>
-            </a:r>
-          </a:p>
-          <a:p>
-            <a:r>
-              <a:rPr lang="en-US" dirty="0" smtClean="0"/>
-              <a:t>3 -&gt; (Dave, 55)</a:t>
-            </a:r>
-            <a:endParaRPr lang="en-US" dirty="0"/>
-          </a:p>
-        </p:txBody>
-      </p:sp>
-      <p:sp>
-        <p:nvSpPr>
-          <p:cNvPr id="139" name="TextBox 138"/>
-          <p:cNvSpPr txBox="1"/>
-          <p:nvPr/>
-        </p:nvSpPr>
-        <p:spPr>
-          <a:xfrm>
-            <a:off x="2425168" y="3221975"/>
-            <a:ext cx="1407244" cy="646331"/>
-          </a:xfrm>
-          <a:prstGeom prst="rect">
-            <a:avLst/>
-          </a:prstGeom>
-          <a:noFill/>
-        </p:spPr>
-        <p:txBody>
-          <a:bodyPr wrap="none" rtlCol="0">
-            <a:spAutoFit/>
-          </a:bodyPr>
-          <a:lstStyle/>
-          <a:p>
-            <a:r>
-              <a:rPr lang="en-US" dirty="0" smtClean="0"/>
-              <a:t>2 -&gt; (Eve, 80)</a:t>
-            </a:r>
-          </a:p>
-          <a:p>
-            <a:r>
-              <a:rPr lang="en-US" dirty="0" smtClean="0"/>
-              <a:t>3 -&gt; (Eve, 80)</a:t>
-            </a:r>
-            <a:endParaRPr lang="en-US" dirty="0"/>
-          </a:p>
-        </p:txBody>
-      </p:sp>
-      <p:sp>
-        <p:nvSpPr>
-          <p:cNvPr id="159" name="TextBox 158"/>
-          <p:cNvSpPr txBox="1"/>
-          <p:nvPr/>
-        </p:nvSpPr>
-        <p:spPr>
-          <a:xfrm>
-            <a:off x="7102023" y="3221469"/>
-            <a:ext cx="1417613" cy="369332"/>
-          </a:xfrm>
-          <a:prstGeom prst="rect">
-            <a:avLst/>
-          </a:prstGeom>
-          <a:noFill/>
-        </p:spPr>
-        <p:txBody>
-          <a:bodyPr wrap="none" rtlCol="0">
-            <a:spAutoFit/>
-          </a:bodyPr>
-          <a:lstStyle/>
-          <a:p>
-            <a:r>
-              <a:rPr lang="en-US" dirty="0" smtClean="0"/>
-              <a:t>3 -&gt; (Sue, 73)</a:t>
-            </a:r>
-            <a:endParaRPr lang="en-US" dirty="0"/>
-          </a:p>
-        </p:txBody>
-      </p:sp>
-      <p:sp>
-        <p:nvSpPr>
-          <p:cNvPr id="215" name="TextBox 214"/>
-          <p:cNvSpPr txBox="1"/>
-          <p:nvPr/>
-        </p:nvSpPr>
-        <p:spPr>
-          <a:xfrm>
-            <a:off x="4295222" y="1392720"/>
-            <a:ext cx="710451" cy="923330"/>
-          </a:xfrm>
-          <a:prstGeom prst="rect">
-            <a:avLst/>
-          </a:prstGeom>
-          <a:noFill/>
-        </p:spPr>
-        <p:txBody>
-          <a:bodyPr wrap="none" rtlCol="0">
-            <a:spAutoFit/>
-          </a:bodyPr>
-          <a:lstStyle/>
-          <a:p>
-            <a:r>
-              <a:rPr lang="en-US" dirty="0" smtClean="0"/>
-              <a:t>1 -&gt; 4</a:t>
-            </a:r>
-            <a:endParaRPr lang="en-US" dirty="0"/>
-          </a:p>
-          <a:p>
-            <a:r>
-              <a:rPr lang="en-US" dirty="0" smtClean="0"/>
-              <a:t>2 -&gt; 2</a:t>
-            </a:r>
-          </a:p>
-          <a:p>
-            <a:r>
-              <a:rPr lang="en-US" dirty="0" smtClean="0"/>
-              <a:t>3 -&gt; 2</a:t>
-            </a:r>
-            <a:endParaRPr lang="en-US" dirty="0"/>
-          </a:p>
-        </p:txBody>
-      </p:sp>
-      <p:sp>
-        <p:nvSpPr>
-          <p:cNvPr id="217" name="TextBox 216"/>
-          <p:cNvSpPr txBox="1"/>
-          <p:nvPr/>
-        </p:nvSpPr>
-        <p:spPr>
-          <a:xfrm>
-            <a:off x="5932692" y="1401388"/>
-            <a:ext cx="710451" cy="646331"/>
-          </a:xfrm>
-          <a:prstGeom prst="rect">
-            <a:avLst/>
-          </a:prstGeom>
-          <a:noFill/>
-        </p:spPr>
-        <p:txBody>
-          <a:bodyPr wrap="none" rtlCol="0">
-            <a:spAutoFit/>
-          </a:bodyPr>
-          <a:lstStyle/>
-          <a:p>
-            <a:r>
-              <a:rPr lang="en-US" dirty="0" smtClean="0"/>
-              <a:t>1 -&gt; 8</a:t>
-            </a:r>
-          </a:p>
-          <a:p>
-            <a:r>
-              <a:rPr lang="en-US" dirty="0" smtClean="0"/>
-              <a:t>2 -&gt; 9</a:t>
-            </a:r>
-            <a:endParaRPr lang="en-US" dirty="0"/>
-          </a:p>
-        </p:txBody>
-      </p:sp>
-      <p:sp>
-        <p:nvSpPr>
-          <p:cNvPr id="218" name="TextBox 217"/>
-          <p:cNvSpPr txBox="1"/>
-          <p:nvPr/>
-        </p:nvSpPr>
-        <p:spPr>
-          <a:xfrm>
-            <a:off x="5333213" y="2042662"/>
-            <a:ext cx="708660" cy="923330"/>
-          </a:xfrm>
-          <a:prstGeom prst="rect">
-            <a:avLst/>
-          </a:prstGeom>
-          <a:noFill/>
-        </p:spPr>
-        <p:txBody>
-          <a:bodyPr wrap="none" rtlCol="0">
-            <a:spAutoFit/>
-          </a:bodyPr>
-          <a:lstStyle/>
-          <a:p>
-            <a:r>
-              <a:rPr lang="en-US" dirty="0" smtClean="0"/>
-              <a:t>1 -&gt; 1</a:t>
-            </a:r>
-          </a:p>
-          <a:p>
-            <a:r>
-              <a:rPr lang="en-US" dirty="0" smtClean="0"/>
-              <a:t>2 -&gt; 2</a:t>
-            </a:r>
-          </a:p>
-          <a:p>
-            <a:r>
-              <a:rPr lang="en-US" dirty="0" smtClean="0"/>
-              <a:t>3 -&gt; 4</a:t>
-            </a:r>
-            <a:endParaRPr lang="en-US" dirty="0"/>
-          </a:p>
-        </p:txBody>
-      </p:sp>
-      <p:sp>
-        <p:nvSpPr>
-          <p:cNvPr id="219" name="TextBox 218"/>
-          <p:cNvSpPr txBox="1"/>
-          <p:nvPr/>
-        </p:nvSpPr>
-        <p:spPr>
-          <a:xfrm>
-            <a:off x="4253109" y="2785481"/>
-            <a:ext cx="708660" cy="369332"/>
-          </a:xfrm>
-          <a:prstGeom prst="rect">
-            <a:avLst/>
-          </a:prstGeom>
-          <a:noFill/>
-        </p:spPr>
-        <p:txBody>
-          <a:bodyPr wrap="none" rtlCol="0">
-            <a:spAutoFit/>
-          </a:bodyPr>
-          <a:lstStyle/>
-          <a:p>
-            <a:r>
-              <a:rPr lang="en-US" dirty="0" smtClean="0"/>
-              <a:t>2 -&gt; 1</a:t>
-            </a:r>
-            <a:endParaRPr lang="en-US" dirty="0"/>
-          </a:p>
-        </p:txBody>
-      </p:sp>
       <p:grpSp>
         <p:nvGrpSpPr>
           <p:cNvPr id="88" name="Group 87"/>
@@ -11246,42 +11273,6 @@
           </a:fontRef>
         </p:style>
       </p:cxnSp>
-      <p:sp>
-        <p:nvSpPr>
-          <p:cNvPr id="98" name="TextBox 97"/>
-          <p:cNvSpPr txBox="1"/>
-          <p:nvPr/>
-        </p:nvSpPr>
-        <p:spPr>
-          <a:xfrm>
-            <a:off x="5076180" y="580274"/>
-            <a:ext cx="708660" cy="646331"/>
-          </a:xfrm>
-          <a:prstGeom prst="rect">
-            <a:avLst/>
-          </a:prstGeom>
-          <a:noFill/>
-        </p:spPr>
-        <p:txBody>
-          <a:bodyPr wrap="none" rtlCol="0">
-            <a:spAutoFit/>
-          </a:bodyPr>
-          <a:lstStyle/>
-          <a:p>
-            <a:r>
-              <a:rPr lang="en-US" dirty="0" smtClean="0"/>
-              <a:t>1 -&gt; 3</a:t>
-            </a:r>
-          </a:p>
-          <a:p>
-            <a:r>
-              <a:rPr lang="en-US" dirty="0" smtClean="0"/>
-              <a:t>2 -&gt; 3</a:t>
-            </a:r>
-            <a:endParaRPr lang="en-US" dirty="0"/>
-          </a:p>
-        </p:txBody>
-      </p:sp>
       <p:cxnSp>
         <p:nvCxnSpPr>
           <p:cNvPr id="148" name="Straight Arrow Connector 147"/>
@@ -11322,36 +11313,6 @@
           </a:fontRef>
         </p:style>
       </p:cxnSp>
-      <p:sp>
-        <p:nvSpPr>
-          <p:cNvPr id="149" name="TextBox 148"/>
-          <p:cNvSpPr txBox="1"/>
-          <p:nvPr/>
-        </p:nvSpPr>
-        <p:spPr>
-          <a:xfrm>
-            <a:off x="5160707" y="3072803"/>
-            <a:ext cx="708660" cy="369332"/>
-          </a:xfrm>
-          <a:prstGeom prst="rect">
-            <a:avLst/>
-          </a:prstGeom>
-          <a:noFill/>
-        </p:spPr>
-        <p:txBody>
-          <a:bodyPr wrap="none" rtlCol="0">
-            <a:spAutoFit/>
-          </a:bodyPr>
-          <a:lstStyle/>
-          <a:p>
-            <a:r>
-              <a:rPr lang="en-US" dirty="0" smtClean="0"/>
-              <a:t>3 -&gt; 1</a:t>
-            </a:r>
-            <a:endParaRPr lang="en-US" dirty="0"/>
-          </a:p>
-        </p:txBody>
-      </p:sp>
       <p:cxnSp>
         <p:nvCxnSpPr>
           <p:cNvPr id="251" name="Straight Connector 250"/>
@@ -11394,14 +11355,14 @@
       </p:cxnSp>
       <p:sp>
         <p:nvSpPr>
-          <p:cNvPr id="153" name="TextBox 152"/>
+          <p:cNvPr id="161" name="TextBox 160"/>
           <p:cNvSpPr txBox="1"/>
           <p:nvPr/>
         </p:nvSpPr>
         <p:spPr>
           <a:xfrm>
-            <a:off x="5062253" y="1365935"/>
-            <a:ext cx="708660" cy="646331"/>
+            <a:off x="559042" y="5162172"/>
+            <a:ext cx="1707506" cy="923330"/>
           </a:xfrm>
           <a:prstGeom prst="rect">
             <a:avLst/>
@@ -11416,13 +11377,19 @@
           <a:p>
             <a:r>
               <a:rPr lang="en-US" dirty="0" smtClean="0"/>
-              <a:t>1 -&gt; 1</a:t>
+              <a:t>[2010, 2011) – 1</a:t>
             </a:r>
           </a:p>
           <a:p>
             <a:r>
               <a:rPr lang="en-US" dirty="0" smtClean="0"/>
-              <a:t>3 -&gt; 2</a:t>
+              <a:t>[2011, 2012) – 2</a:t>
+            </a:r>
+          </a:p>
+          <a:p>
+            <a:r>
+              <a:rPr lang="en-US" dirty="0" smtClean="0"/>
+              <a:t>[2012, 2013) – 3</a:t>
             </a:r>
             <a:endParaRPr lang="en-US" dirty="0"/>
           </a:p>
@@ -11430,14 +11397,659 @@
       </p:sp>
       <p:sp>
         <p:nvSpPr>
-          <p:cNvPr id="161" name="TextBox 160"/>
+          <p:cNvPr id="134" name="TextBox 133"/>
           <p:cNvSpPr txBox="1"/>
           <p:nvPr/>
         </p:nvSpPr>
         <p:spPr>
           <a:xfrm>
-            <a:off x="559042" y="5162172"/>
-            <a:ext cx="1707506" cy="923330"/>
+            <a:off x="2462628" y="762355"/>
+            <a:ext cx="1550925" cy="830997"/>
+          </a:xfrm>
+          <a:prstGeom prst="rect">
+            <a:avLst/>
+          </a:prstGeom>
+          <a:solidFill>
+            <a:srgbClr val="F2F2F2">
+              <a:alpha val="50000"/>
+            </a:srgbClr>
+          </a:solidFill>
+        </p:spPr>
+        <p:txBody>
+          <a:bodyPr wrap="none" rtlCol="0">
+            <a:spAutoFit/>
+          </a:bodyPr>
+          <a:lstStyle/>
+          <a:p>
+            <a:r>
+              <a:rPr lang="en-US" sz="1600" dirty="0" smtClean="0"/>
+              <a:t>t1 </a:t>
+            </a:r>
+            <a:r>
+              <a:rPr lang="en-US" sz="1600" dirty="0" smtClean="0"/>
+              <a:t>-&gt; (Alice, 150)</a:t>
+            </a:r>
+          </a:p>
+          <a:p>
+            <a:r>
+              <a:rPr lang="en-US" sz="1600" dirty="0" smtClean="0"/>
+              <a:t>t2 </a:t>
+            </a:r>
+            <a:r>
+              <a:rPr lang="en-US" sz="1600" dirty="0" smtClean="0"/>
+              <a:t>-&gt; (Alice, 155)</a:t>
+            </a:r>
+          </a:p>
+          <a:p>
+            <a:r>
+              <a:rPr lang="en-US" sz="1600" dirty="0" smtClean="0"/>
+              <a:t>t3 </a:t>
+            </a:r>
+            <a:r>
+              <a:rPr lang="en-US" sz="1600" dirty="0" smtClean="0"/>
+              <a:t>-&gt; (Alice, 155)</a:t>
+            </a:r>
+            <a:endParaRPr lang="en-US" sz="1600" dirty="0"/>
+          </a:p>
+        </p:txBody>
+      </p:sp>
+      <p:sp>
+        <p:nvSpPr>
+          <p:cNvPr id="135" name="TextBox 134"/>
+          <p:cNvSpPr txBox="1"/>
+          <p:nvPr/>
+        </p:nvSpPr>
+        <p:spPr>
+          <a:xfrm>
+            <a:off x="6961926" y="920493"/>
+            <a:ext cx="1476787" cy="584776"/>
+          </a:xfrm>
+          <a:prstGeom prst="rect">
+            <a:avLst/>
+          </a:prstGeom>
+          <a:solidFill>
+            <a:srgbClr val="F2F2F2">
+              <a:alpha val="50000"/>
+            </a:srgbClr>
+          </a:solidFill>
+        </p:spPr>
+        <p:txBody>
+          <a:bodyPr wrap="none" rtlCol="0">
+            <a:spAutoFit/>
+          </a:bodyPr>
+          <a:lstStyle/>
+          <a:p>
+            <a:r>
+              <a:rPr lang="en-US" sz="1600" dirty="0" smtClean="0"/>
+              <a:t>t1 </a:t>
+            </a:r>
+            <a:r>
+              <a:rPr lang="en-US" sz="1600" dirty="0" smtClean="0"/>
+              <a:t>-&gt; (Bob, 103)</a:t>
+            </a:r>
+          </a:p>
+          <a:p>
+            <a:r>
+              <a:rPr lang="en-US" sz="1600" dirty="0" smtClean="0"/>
+              <a:t>t2 </a:t>
+            </a:r>
+            <a:r>
+              <a:rPr lang="en-US" sz="1600" dirty="0" smtClean="0"/>
+              <a:t>-&gt; (Bob, 113)</a:t>
+            </a:r>
+            <a:endParaRPr lang="en-US" sz="1600" dirty="0"/>
+          </a:p>
+        </p:txBody>
+      </p:sp>
+      <p:sp>
+        <p:nvSpPr>
+          <p:cNvPr id="136" name="TextBox 135"/>
+          <p:cNvSpPr txBox="1"/>
+          <p:nvPr/>
+        </p:nvSpPr>
+        <p:spPr>
+          <a:xfrm>
+            <a:off x="2372388" y="2078943"/>
+            <a:ext cx="1626267" cy="830997"/>
+          </a:xfrm>
+          <a:prstGeom prst="rect">
+            <a:avLst/>
+          </a:prstGeom>
+          <a:solidFill>
+            <a:srgbClr val="F2F2F2">
+              <a:alpha val="50000"/>
+            </a:srgbClr>
+          </a:solidFill>
+        </p:spPr>
+        <p:txBody>
+          <a:bodyPr wrap="none" rtlCol="0">
+            <a:spAutoFit/>
+          </a:bodyPr>
+          <a:lstStyle/>
+          <a:p>
+            <a:r>
+              <a:rPr lang="en-US" sz="1600" dirty="0" smtClean="0"/>
+              <a:t>t1 </a:t>
+            </a:r>
+            <a:r>
+              <a:rPr lang="en-US" sz="1600" dirty="0" smtClean="0"/>
+              <a:t>-&gt; (Cathy, 98)</a:t>
+            </a:r>
+          </a:p>
+          <a:p>
+            <a:r>
+              <a:rPr lang="en-US" sz="1600" dirty="0" smtClean="0"/>
+              <a:t>t2 </a:t>
+            </a:r>
+            <a:r>
+              <a:rPr lang="en-US" sz="1600" dirty="0" smtClean="0"/>
+              <a:t>-&gt; (Cathy, 105)</a:t>
+            </a:r>
+          </a:p>
+          <a:p>
+            <a:r>
+              <a:rPr lang="en-US" sz="1600" dirty="0" smtClean="0"/>
+              <a:t>t3 </a:t>
+            </a:r>
+            <a:r>
+              <a:rPr lang="en-US" sz="1600" dirty="0" smtClean="0"/>
+              <a:t>-&gt; (Cathy, 105)</a:t>
+            </a:r>
+            <a:endParaRPr lang="en-US" sz="1600" dirty="0"/>
+          </a:p>
+        </p:txBody>
+      </p:sp>
+      <p:sp>
+        <p:nvSpPr>
+          <p:cNvPr id="138" name="TextBox 137"/>
+          <p:cNvSpPr txBox="1"/>
+          <p:nvPr/>
+        </p:nvSpPr>
+        <p:spPr>
+          <a:xfrm>
+            <a:off x="6978154" y="1907963"/>
+            <a:ext cx="1464463" cy="830997"/>
+          </a:xfrm>
+          <a:prstGeom prst="rect">
+            <a:avLst/>
+          </a:prstGeom>
+          <a:solidFill>
+            <a:srgbClr val="F2F2F2">
+              <a:alpha val="50000"/>
+            </a:srgbClr>
+          </a:solidFill>
+        </p:spPr>
+        <p:txBody>
+          <a:bodyPr wrap="none" rtlCol="0">
+            <a:spAutoFit/>
+          </a:bodyPr>
+          <a:lstStyle/>
+          <a:p>
+            <a:r>
+              <a:rPr lang="en-US" sz="1600" dirty="0" smtClean="0"/>
+              <a:t>t1 </a:t>
+            </a:r>
+            <a:r>
+              <a:rPr lang="en-US" sz="1600" dirty="0" smtClean="0"/>
+              <a:t>-&gt; (Dave, 55)</a:t>
+            </a:r>
+          </a:p>
+          <a:p>
+            <a:r>
+              <a:rPr lang="en-US" sz="1600" dirty="0" smtClean="0"/>
+              <a:t>t2 </a:t>
+            </a:r>
+            <a:r>
+              <a:rPr lang="en-US" sz="1600" dirty="0" smtClean="0"/>
+              <a:t>-&gt; (Dave, 55)</a:t>
+            </a:r>
+          </a:p>
+          <a:p>
+            <a:r>
+              <a:rPr lang="en-US" sz="1600" dirty="0" smtClean="0"/>
+              <a:t>t3 </a:t>
+            </a:r>
+            <a:r>
+              <a:rPr lang="en-US" sz="1600" dirty="0" smtClean="0"/>
+              <a:t>-&gt; (Dave, 55)</a:t>
+            </a:r>
+            <a:endParaRPr lang="en-US" sz="1600" dirty="0"/>
+          </a:p>
+        </p:txBody>
+      </p:sp>
+      <p:sp>
+        <p:nvSpPr>
+          <p:cNvPr id="139" name="TextBox 138"/>
+          <p:cNvSpPr txBox="1"/>
+          <p:nvPr/>
+        </p:nvSpPr>
+        <p:spPr>
+          <a:xfrm>
+            <a:off x="2531008" y="3221975"/>
+            <a:ext cx="1340131" cy="584776"/>
+          </a:xfrm>
+          <a:prstGeom prst="rect">
+            <a:avLst/>
+          </a:prstGeom>
+          <a:solidFill>
+            <a:srgbClr val="F2F2F2">
+              <a:alpha val="50000"/>
+            </a:srgbClr>
+          </a:solidFill>
+        </p:spPr>
+        <p:txBody>
+          <a:bodyPr wrap="none" rtlCol="0">
+            <a:spAutoFit/>
+          </a:bodyPr>
+          <a:lstStyle/>
+          <a:p>
+            <a:r>
+              <a:rPr lang="en-US" sz="1600" dirty="0" smtClean="0"/>
+              <a:t>t2 </a:t>
+            </a:r>
+            <a:r>
+              <a:rPr lang="en-US" sz="1600" dirty="0" smtClean="0"/>
+              <a:t>-&gt; (Eve, 80)</a:t>
+            </a:r>
+          </a:p>
+          <a:p>
+            <a:r>
+              <a:rPr lang="en-US" sz="1600" dirty="0" smtClean="0"/>
+              <a:t>t3 </a:t>
+            </a:r>
+            <a:r>
+              <a:rPr lang="en-US" sz="1600" dirty="0" smtClean="0"/>
+              <a:t>-&gt; (Eve, 80)</a:t>
+            </a:r>
+            <a:endParaRPr lang="en-US" sz="1600" dirty="0"/>
+          </a:p>
+        </p:txBody>
+      </p:sp>
+      <p:sp>
+        <p:nvSpPr>
+          <p:cNvPr id="159" name="TextBox 158"/>
+          <p:cNvSpPr txBox="1"/>
+          <p:nvPr/>
+        </p:nvSpPr>
+        <p:spPr>
+          <a:xfrm>
+            <a:off x="7066743" y="3221469"/>
+            <a:ext cx="1349348" cy="338554"/>
+          </a:xfrm>
+          <a:prstGeom prst="rect">
+            <a:avLst/>
+          </a:prstGeom>
+          <a:solidFill>
+            <a:srgbClr val="F2F2F2">
+              <a:alpha val="50000"/>
+            </a:srgbClr>
+          </a:solidFill>
+        </p:spPr>
+        <p:txBody>
+          <a:bodyPr wrap="none" rtlCol="0">
+            <a:spAutoFit/>
+          </a:bodyPr>
+          <a:lstStyle/>
+          <a:p>
+            <a:r>
+              <a:rPr lang="en-US" sz="1600" dirty="0" smtClean="0"/>
+              <a:t>t3 </a:t>
+            </a:r>
+            <a:r>
+              <a:rPr lang="en-US" sz="1600" dirty="0" smtClean="0"/>
+              <a:t>-&gt; (Sue, 73)</a:t>
+            </a:r>
+            <a:endParaRPr lang="en-US" sz="1600" dirty="0"/>
+          </a:p>
+        </p:txBody>
+      </p:sp>
+      <p:sp>
+        <p:nvSpPr>
+          <p:cNvPr id="215" name="TextBox 214"/>
+          <p:cNvSpPr txBox="1"/>
+          <p:nvPr/>
+        </p:nvSpPr>
+        <p:spPr>
+          <a:xfrm>
+            <a:off x="4295222" y="1392720"/>
+            <a:ext cx="723275" cy="830997"/>
+          </a:xfrm>
+          <a:prstGeom prst="rect">
+            <a:avLst/>
+          </a:prstGeom>
+          <a:solidFill>
+            <a:srgbClr val="F2F2F2">
+              <a:alpha val="50000"/>
+            </a:srgbClr>
+          </a:solidFill>
+        </p:spPr>
+        <p:txBody>
+          <a:bodyPr wrap="none" rtlCol="0">
+            <a:spAutoFit/>
+          </a:bodyPr>
+          <a:lstStyle/>
+          <a:p>
+            <a:r>
+              <a:rPr lang="en-US" sz="1600" dirty="0" smtClean="0"/>
+              <a:t>t1 </a:t>
+            </a:r>
+            <a:r>
+              <a:rPr lang="en-US" sz="1600" dirty="0" smtClean="0"/>
+              <a:t>-&gt; 4</a:t>
+            </a:r>
+            <a:endParaRPr lang="en-US" sz="1600" dirty="0"/>
+          </a:p>
+          <a:p>
+            <a:r>
+              <a:rPr lang="en-US" sz="1600" dirty="0" smtClean="0"/>
+              <a:t>t2 </a:t>
+            </a:r>
+            <a:r>
+              <a:rPr lang="en-US" sz="1600" dirty="0" smtClean="0"/>
+              <a:t>-&gt; 2</a:t>
+            </a:r>
+          </a:p>
+          <a:p>
+            <a:r>
+              <a:rPr lang="en-US" sz="1600" dirty="0" smtClean="0"/>
+              <a:t>t3 </a:t>
+            </a:r>
+            <a:r>
+              <a:rPr lang="en-US" sz="1600" dirty="0" smtClean="0"/>
+              <a:t>-&gt; 2</a:t>
+            </a:r>
+            <a:endParaRPr lang="en-US" sz="1600" dirty="0"/>
+          </a:p>
+        </p:txBody>
+      </p:sp>
+      <p:sp>
+        <p:nvSpPr>
+          <p:cNvPr id="217" name="TextBox 216"/>
+          <p:cNvSpPr txBox="1"/>
+          <p:nvPr/>
+        </p:nvSpPr>
+        <p:spPr>
+          <a:xfrm>
+            <a:off x="5932692" y="1401388"/>
+            <a:ext cx="723275" cy="584776"/>
+          </a:xfrm>
+          <a:prstGeom prst="rect">
+            <a:avLst/>
+          </a:prstGeom>
+          <a:solidFill>
+            <a:srgbClr val="F2F2F2">
+              <a:alpha val="50000"/>
+            </a:srgbClr>
+          </a:solidFill>
+        </p:spPr>
+        <p:txBody>
+          <a:bodyPr wrap="none" rtlCol="0">
+            <a:spAutoFit/>
+          </a:bodyPr>
+          <a:lstStyle/>
+          <a:p>
+            <a:r>
+              <a:rPr lang="en-US" sz="1600" dirty="0" smtClean="0"/>
+              <a:t>t1 </a:t>
+            </a:r>
+            <a:r>
+              <a:rPr lang="en-US" sz="1600" dirty="0" smtClean="0"/>
+              <a:t>-&gt; 8</a:t>
+            </a:r>
+          </a:p>
+          <a:p>
+            <a:r>
+              <a:rPr lang="en-US" sz="1600" dirty="0" smtClean="0"/>
+              <a:t>t2 </a:t>
+            </a:r>
+            <a:r>
+              <a:rPr lang="en-US" sz="1600" dirty="0" smtClean="0"/>
+              <a:t>-&gt; 9</a:t>
+            </a:r>
+            <a:endParaRPr lang="en-US" sz="1600" dirty="0"/>
+          </a:p>
+        </p:txBody>
+      </p:sp>
+      <p:sp>
+        <p:nvSpPr>
+          <p:cNvPr id="218" name="TextBox 217"/>
+          <p:cNvSpPr txBox="1"/>
+          <p:nvPr/>
+        </p:nvSpPr>
+        <p:spPr>
+          <a:xfrm>
+            <a:off x="5333213" y="2042662"/>
+            <a:ext cx="723275" cy="830997"/>
+          </a:xfrm>
+          <a:prstGeom prst="rect">
+            <a:avLst/>
+          </a:prstGeom>
+          <a:solidFill>
+            <a:srgbClr val="F2F2F2">
+              <a:alpha val="50000"/>
+            </a:srgbClr>
+          </a:solidFill>
+        </p:spPr>
+        <p:txBody>
+          <a:bodyPr wrap="none" rtlCol="0">
+            <a:spAutoFit/>
+          </a:bodyPr>
+          <a:lstStyle/>
+          <a:p>
+            <a:r>
+              <a:rPr lang="en-US" sz="1600" dirty="0" smtClean="0"/>
+              <a:t>t1 </a:t>
+            </a:r>
+            <a:r>
+              <a:rPr lang="en-US" sz="1600" dirty="0" smtClean="0"/>
+              <a:t>-&gt; 1</a:t>
+            </a:r>
+          </a:p>
+          <a:p>
+            <a:r>
+              <a:rPr lang="en-US" sz="1600" dirty="0" smtClean="0"/>
+              <a:t>t2 </a:t>
+            </a:r>
+            <a:r>
+              <a:rPr lang="en-US" sz="1600" dirty="0" smtClean="0"/>
+              <a:t>-&gt; 2</a:t>
+            </a:r>
+          </a:p>
+          <a:p>
+            <a:r>
+              <a:rPr lang="en-US" sz="1600" dirty="0" smtClean="0"/>
+              <a:t>t3 </a:t>
+            </a:r>
+            <a:r>
+              <a:rPr lang="en-US" sz="1600" dirty="0" smtClean="0"/>
+              <a:t>-&gt; 4</a:t>
+            </a:r>
+            <a:endParaRPr lang="en-US" sz="1600" dirty="0"/>
+          </a:p>
+        </p:txBody>
+      </p:sp>
+      <p:sp>
+        <p:nvSpPr>
+          <p:cNvPr id="219" name="TextBox 218"/>
+          <p:cNvSpPr txBox="1"/>
+          <p:nvPr/>
+        </p:nvSpPr>
+        <p:spPr>
+          <a:xfrm>
+            <a:off x="4253109" y="2785481"/>
+            <a:ext cx="719167" cy="338554"/>
+          </a:xfrm>
+          <a:prstGeom prst="rect">
+            <a:avLst/>
+          </a:prstGeom>
+          <a:solidFill>
+            <a:srgbClr val="F2F2F2">
+              <a:alpha val="50000"/>
+            </a:srgbClr>
+          </a:solidFill>
+        </p:spPr>
+        <p:txBody>
+          <a:bodyPr wrap="none" rtlCol="0">
+            <a:spAutoFit/>
+          </a:bodyPr>
+          <a:lstStyle/>
+          <a:p>
+            <a:r>
+              <a:rPr lang="en-US" sz="1600" dirty="0" smtClean="0"/>
+              <a:t>t2 </a:t>
+            </a:r>
+            <a:r>
+              <a:rPr lang="en-US" sz="1600" dirty="0" smtClean="0"/>
+              <a:t>-&gt; 1</a:t>
+            </a:r>
+            <a:endParaRPr lang="en-US" sz="1600" dirty="0"/>
+          </a:p>
+        </p:txBody>
+      </p:sp>
+      <p:sp>
+        <p:nvSpPr>
+          <p:cNvPr id="98" name="TextBox 97"/>
+          <p:cNvSpPr txBox="1"/>
+          <p:nvPr/>
+        </p:nvSpPr>
+        <p:spPr>
+          <a:xfrm>
+            <a:off x="5076180" y="580274"/>
+            <a:ext cx="719167" cy="584776"/>
+          </a:xfrm>
+          <a:prstGeom prst="rect">
+            <a:avLst/>
+          </a:prstGeom>
+          <a:solidFill>
+            <a:srgbClr val="F2F2F2">
+              <a:alpha val="50000"/>
+            </a:srgbClr>
+          </a:solidFill>
+        </p:spPr>
+        <p:txBody>
+          <a:bodyPr wrap="none" rtlCol="0">
+            <a:spAutoFit/>
+          </a:bodyPr>
+          <a:lstStyle/>
+          <a:p>
+            <a:r>
+              <a:rPr lang="en-US" sz="1600" dirty="0" smtClean="0"/>
+              <a:t>t1 </a:t>
+            </a:r>
+            <a:r>
+              <a:rPr lang="en-US" sz="1600" dirty="0" smtClean="0"/>
+              <a:t>-&gt; 3</a:t>
+            </a:r>
+          </a:p>
+          <a:p>
+            <a:r>
+              <a:rPr lang="en-US" sz="1600" dirty="0" smtClean="0"/>
+              <a:t>t2 </a:t>
+            </a:r>
+            <a:r>
+              <a:rPr lang="en-US" sz="1600" dirty="0" smtClean="0"/>
+              <a:t>-&gt; 3</a:t>
+            </a:r>
+            <a:endParaRPr lang="en-US" sz="1600" dirty="0"/>
+          </a:p>
+        </p:txBody>
+      </p:sp>
+      <p:sp>
+        <p:nvSpPr>
+          <p:cNvPr id="149" name="TextBox 148"/>
+          <p:cNvSpPr txBox="1"/>
+          <p:nvPr/>
+        </p:nvSpPr>
+        <p:spPr>
+          <a:xfrm>
+            <a:off x="5160707" y="3072803"/>
+            <a:ext cx="719167" cy="338554"/>
+          </a:xfrm>
+          <a:prstGeom prst="rect">
+            <a:avLst/>
+          </a:prstGeom>
+          <a:solidFill>
+            <a:srgbClr val="F2F2F2">
+              <a:alpha val="50000"/>
+            </a:srgbClr>
+          </a:solidFill>
+        </p:spPr>
+        <p:txBody>
+          <a:bodyPr wrap="none" rtlCol="0">
+            <a:spAutoFit/>
+          </a:bodyPr>
+          <a:lstStyle/>
+          <a:p>
+            <a:r>
+              <a:rPr lang="en-US" sz="1600" dirty="0" smtClean="0"/>
+              <a:t>t3 </a:t>
+            </a:r>
+            <a:r>
+              <a:rPr lang="en-US" sz="1600" dirty="0" smtClean="0"/>
+              <a:t>-&gt; 1</a:t>
+            </a:r>
+            <a:endParaRPr lang="en-US" sz="1600" dirty="0"/>
+          </a:p>
+        </p:txBody>
+      </p:sp>
+      <p:sp>
+        <p:nvSpPr>
+          <p:cNvPr id="153" name="TextBox 152"/>
+          <p:cNvSpPr txBox="1"/>
+          <p:nvPr/>
+        </p:nvSpPr>
+        <p:spPr>
+          <a:xfrm>
+            <a:off x="5062253" y="1365935"/>
+            <a:ext cx="719167" cy="584776"/>
+          </a:xfrm>
+          <a:prstGeom prst="rect">
+            <a:avLst/>
+          </a:prstGeom>
+          <a:solidFill>
+            <a:srgbClr val="F2F2F2">
+              <a:alpha val="50000"/>
+            </a:srgbClr>
+          </a:solidFill>
+        </p:spPr>
+        <p:txBody>
+          <a:bodyPr wrap="none" rtlCol="0">
+            <a:spAutoFit/>
+          </a:bodyPr>
+          <a:lstStyle/>
+          <a:p>
+            <a:r>
+              <a:rPr lang="en-US" sz="1600" dirty="0" smtClean="0"/>
+              <a:t>t1 </a:t>
+            </a:r>
+            <a:r>
+              <a:rPr lang="en-US" sz="1600" dirty="0" smtClean="0"/>
+              <a:t>-&gt; 1</a:t>
+            </a:r>
+          </a:p>
+          <a:p>
+            <a:r>
+              <a:rPr lang="en-US" sz="1600" dirty="0" smtClean="0"/>
+              <a:t>t3 </a:t>
+            </a:r>
+            <a:r>
+              <a:rPr lang="en-US" sz="1600" dirty="0" smtClean="0"/>
+              <a:t>-&gt; 2</a:t>
+            </a:r>
+            <a:endParaRPr lang="en-US" sz="1600" dirty="0"/>
+          </a:p>
+        </p:txBody>
+      </p:sp>
+      <p:sp>
+        <p:nvSpPr>
+          <p:cNvPr id="52" name="TextBox 51"/>
+          <p:cNvSpPr txBox="1"/>
+          <p:nvPr/>
+        </p:nvSpPr>
+        <p:spPr>
+          <a:xfrm>
+            <a:off x="2965410" y="218276"/>
+            <a:ext cx="5450681" cy="361637"/>
           </a:xfrm>
           <a:prstGeom prst="rect">
             <a:avLst/>
@@ -11445,32 +12057,56 @@
           <a:noFill/>
         </p:spPr>
         <p:txBody>
-          <a:bodyPr wrap="none" rtlCol="0">
+          <a:bodyPr wrap="square" rtlCol="0">
             <a:spAutoFit/>
           </a:bodyPr>
           <a:lstStyle/>
           <a:p>
             <a:r>
-              <a:rPr lang="en-US" dirty="0" smtClean="0"/>
-              <a:t>[2010, </a:t>
-            </a:r>
-            <a:r>
-              <a:rPr lang="en-US" dirty="0" smtClean="0"/>
-              <a:t>2011) – 1</a:t>
-            </a:r>
-          </a:p>
-          <a:p>
-            <a:r>
-              <a:rPr lang="en-US" dirty="0" smtClean="0"/>
-              <a:t>[2011, 2012) – 2</a:t>
-            </a:r>
-          </a:p>
-          <a:p>
-            <a:r>
-              <a:rPr lang="en-US" dirty="0" smtClean="0"/>
-              <a:t>[2012, 2013) – 3</a:t>
-            </a:r>
-            <a:endParaRPr lang="en-US" dirty="0"/>
+              <a:rPr lang="en-US" sz="1750" dirty="0" smtClean="0"/>
+              <a:t>[2010, 2011) </a:t>
+            </a:r>
+            <a:r>
+              <a:rPr lang="en-US" sz="1750" dirty="0" smtClean="0"/>
+              <a:t>– t1</a:t>
+            </a:r>
+            <a:r>
+              <a:rPr lang="en-US" sz="1750" dirty="0" smtClean="0"/>
+              <a:t>  </a:t>
+            </a:r>
+            <a:r>
+              <a:rPr lang="en-US" sz="1750" dirty="0" smtClean="0"/>
+              <a:t>[</a:t>
+            </a:r>
+            <a:r>
+              <a:rPr lang="en-US" sz="1750" dirty="0" smtClean="0"/>
+              <a:t>2011, 2012) – </a:t>
+            </a:r>
+            <a:r>
+              <a:rPr lang="en-US" sz="1750" dirty="0" smtClean="0"/>
+              <a:t>t2</a:t>
+            </a:r>
+            <a:r>
+              <a:rPr lang="en-US" sz="1750" dirty="0"/>
+              <a:t> </a:t>
+            </a:r>
+            <a:r>
+              <a:rPr lang="en-US" sz="1750" dirty="0" smtClean="0"/>
+              <a:t> </a:t>
+            </a:r>
+            <a:r>
+              <a:rPr lang="en-US" sz="1750" dirty="0" smtClean="0"/>
+              <a:t>[</a:t>
+            </a:r>
+            <a:r>
+              <a:rPr lang="en-US" sz="1750" dirty="0" smtClean="0"/>
+              <a:t>2012, 2013) – </a:t>
+            </a:r>
+            <a:r>
+              <a:rPr lang="en-US" sz="1750" dirty="0" smtClean="0"/>
+              <a:t>t3</a:t>
+            </a:r>
+            <a:endParaRPr lang="en-US" sz="1750" dirty="0"/>
           </a:p>
         </p:txBody>
       </p:sp>
@@ -12582,11 +13218,7 @@
           <a:p>
             <a:r>
               <a:rPr lang="en-US" dirty="0" smtClean="0"/>
-              <a:t>[2010, </a:t>
-            </a:r>
-            <a:r>
-              <a:rPr lang="en-US" dirty="0" smtClean="0"/>
-              <a:t>2011) – 1</a:t>
+              <a:t>[2010, 2011) – 1</a:t>
             </a:r>
           </a:p>
           <a:p>

--- a/paper/sigmod2016/figs/structures.pptx
+++ b/paper/sigmod2016/figs/structures.pptx
@@ -200,7 +200,7 @@
           <a:p>
             <a:fld id="{3A271478-9337-FB4D-8AB0-86E8FBC95941}" type="datetimeFigureOut">
               <a:rPr lang="en-US" smtClean="0"/>
-              <a:t>11/16/15</a:t>
+              <a:t>11/17/15</a:t>
             </a:fld>
             <a:endParaRPr lang="en-US"/>
           </a:p>
@@ -817,7 +817,7 @@
           <a:p>
             <a:fld id="{2A3C5F88-9950-2441-8A51-A5268CD91903}" type="datetimeFigureOut">
               <a:rPr lang="en-US" smtClean="0"/>
-              <a:t>11/16/15</a:t>
+              <a:t>11/17/15</a:t>
             </a:fld>
             <a:endParaRPr lang="en-US"/>
           </a:p>
@@ -987,7 +987,7 @@
           <a:p>
             <a:fld id="{2A3C5F88-9950-2441-8A51-A5268CD91903}" type="datetimeFigureOut">
               <a:rPr lang="en-US" smtClean="0"/>
-              <a:t>11/16/15</a:t>
+              <a:t>11/17/15</a:t>
             </a:fld>
             <a:endParaRPr lang="en-US"/>
           </a:p>
@@ -1167,7 +1167,7 @@
           <a:p>
             <a:fld id="{2A3C5F88-9950-2441-8A51-A5268CD91903}" type="datetimeFigureOut">
               <a:rPr lang="en-US" smtClean="0"/>
-              <a:t>11/16/15</a:t>
+              <a:t>11/17/15</a:t>
             </a:fld>
             <a:endParaRPr lang="en-US"/>
           </a:p>
@@ -1337,7 +1337,7 @@
           <a:p>
             <a:fld id="{2A3C5F88-9950-2441-8A51-A5268CD91903}" type="datetimeFigureOut">
               <a:rPr lang="en-US" smtClean="0"/>
-              <a:t>11/16/15</a:t>
+              <a:t>11/17/15</a:t>
             </a:fld>
             <a:endParaRPr lang="en-US"/>
           </a:p>
@@ -1583,7 +1583,7 @@
           <a:p>
             <a:fld id="{2A3C5F88-9950-2441-8A51-A5268CD91903}" type="datetimeFigureOut">
               <a:rPr lang="en-US" smtClean="0"/>
-              <a:t>11/16/15</a:t>
+              <a:t>11/17/15</a:t>
             </a:fld>
             <a:endParaRPr lang="en-US"/>
           </a:p>
@@ -1871,7 +1871,7 @@
           <a:p>
             <a:fld id="{2A3C5F88-9950-2441-8A51-A5268CD91903}" type="datetimeFigureOut">
               <a:rPr lang="en-US" smtClean="0"/>
-              <a:t>11/16/15</a:t>
+              <a:t>11/17/15</a:t>
             </a:fld>
             <a:endParaRPr lang="en-US"/>
           </a:p>
@@ -2293,7 +2293,7 @@
           <a:p>
             <a:fld id="{2A3C5F88-9950-2441-8A51-A5268CD91903}" type="datetimeFigureOut">
               <a:rPr lang="en-US" smtClean="0"/>
-              <a:t>11/16/15</a:t>
+              <a:t>11/17/15</a:t>
             </a:fld>
             <a:endParaRPr lang="en-US"/>
           </a:p>
@@ -2411,7 +2411,7 @@
           <a:p>
             <a:fld id="{2A3C5F88-9950-2441-8A51-A5268CD91903}" type="datetimeFigureOut">
               <a:rPr lang="en-US" smtClean="0"/>
-              <a:t>11/16/15</a:t>
+              <a:t>11/17/15</a:t>
             </a:fld>
             <a:endParaRPr lang="en-US"/>
           </a:p>
@@ -2506,7 +2506,7 @@
           <a:p>
             <a:fld id="{2A3C5F88-9950-2441-8A51-A5268CD91903}" type="datetimeFigureOut">
               <a:rPr lang="en-US" smtClean="0"/>
-              <a:t>11/16/15</a:t>
+              <a:t>11/17/15</a:t>
             </a:fld>
             <a:endParaRPr lang="en-US"/>
           </a:p>
@@ -2783,7 +2783,7 @@
           <a:p>
             <a:fld id="{2A3C5F88-9950-2441-8A51-A5268CD91903}" type="datetimeFigureOut">
               <a:rPr lang="en-US" smtClean="0"/>
-              <a:t>11/16/15</a:t>
+              <a:t>11/17/15</a:t>
             </a:fld>
             <a:endParaRPr lang="en-US"/>
           </a:p>
@@ -3036,7 +3036,7 @@
           <a:p>
             <a:fld id="{2A3C5F88-9950-2441-8A51-A5268CD91903}" type="datetimeFigureOut">
               <a:rPr lang="en-US" smtClean="0"/>
-              <a:t>11/16/15</a:t>
+              <a:t>11/17/15</a:t>
             </a:fld>
             <a:endParaRPr lang="en-US"/>
           </a:p>
@@ -3249,7 +3249,7 @@
           <a:p>
             <a:fld id="{2A3C5F88-9950-2441-8A51-A5268CD91903}" type="datetimeFigureOut">
               <a:rPr lang="en-US" smtClean="0"/>
-              <a:t>11/16/15</a:t>
+              <a:t>11/17/15</a:t>
             </a:fld>
             <a:endParaRPr lang="en-US"/>
           </a:p>
@@ -17488,7 +17488,7 @@
           </a:prstGeom>
           <a:ln w="38100" cmpd="sng">
             <a:solidFill>
-              <a:srgbClr val="FF0000"/>
+              <a:srgbClr val="00C002"/>
             </a:solidFill>
             <a:tailEnd type="none"/>
           </a:ln>
@@ -17879,7 +17879,7 @@
           <p:nvPr>
             <p:extLst>
               <p:ext uri="{D42A27DB-BD31-4B8C-83A1-F6EECF244321}">
-                <p14:modId xmlns:p14="http://schemas.microsoft.com/office/powerpoint/2010/main" val="2528992526"/>
+                <p14:modId xmlns:p14="http://schemas.microsoft.com/office/powerpoint/2010/main" val="2213876014"/>
               </p:ext>
             </p:extLst>
           </p:nvPr>
@@ -18134,14 +18134,9 @@
                       <a:headEnd type="none" w="med" len="med"/>
                       <a:tailEnd type="none" w="med" len="med"/>
                     </a:lnB>
-                    <a:pattFill prst="pct5">
-                      <a:fgClr>
-                        <a:prstClr val="black"/>
-                      </a:fgClr>
-                      <a:bgClr>
-                        <a:schemeClr val="accent1"/>
-                      </a:bgClr>
-                    </a:pattFill>
+                    <a:solidFill>
+                      <a:srgbClr val="558ED1"/>
+                    </a:solidFill>
                   </a:tcPr>
                 </a:tc>
                 <a:tc rowSpan="3" hMerge="1">
@@ -18214,14 +18209,9 @@
                       <a:headEnd type="none" w="med" len="med"/>
                       <a:tailEnd type="none" w="med" len="med"/>
                     </a:lnB>
-                    <a:pattFill prst="ltUpDiag">
-                      <a:fgClr>
-                        <a:prstClr val="black"/>
-                      </a:fgClr>
-                      <a:bgClr>
-                        <a:srgbClr val="FFFF00"/>
-                      </a:bgClr>
-                    </a:pattFill>
+                    <a:solidFill>
+                      <a:srgbClr val="FFFF00"/>
+                    </a:solidFill>
                   </a:tcPr>
                 </a:tc>
                 <a:tc rowSpan="3" hMerge="1">
@@ -18492,14 +18482,9 @@
                       <a:headEnd type="none" w="med" len="med"/>
                       <a:tailEnd type="none" w="med" len="med"/>
                     </a:lnB>
-                    <a:pattFill prst="divot">
-                      <a:fgClr>
-                        <a:prstClr val="black"/>
-                      </a:fgClr>
-                      <a:bgClr>
-                        <a:srgbClr val="FF6600"/>
-                      </a:bgClr>
-                    </a:pattFill>
+                    <a:solidFill>
+                      <a:srgbClr val="FF0000"/>
+                    </a:solidFill>
                   </a:tcPr>
                 </a:tc>
                 <a:tc rowSpan="3" hMerge="1">
@@ -18572,14 +18557,9 @@
                       <a:headEnd type="none" w="med" len="med"/>
                       <a:tailEnd type="none" w="med" len="med"/>
                     </a:lnB>
-                    <a:pattFill prst="pct50">
-                      <a:fgClr>
-                        <a:prstClr val="black"/>
-                      </a:fgClr>
-                      <a:bgClr>
-                        <a:srgbClr val="FF0000"/>
-                      </a:bgClr>
-                    </a:pattFill>
+                    <a:solidFill>
+                      <a:srgbClr val="00C002"/>
+                    </a:solidFill>
                   </a:tcPr>
                 </a:tc>
                 <a:tc rowSpan="3" hMerge="1">
@@ -19527,7 +19507,7 @@
           </a:prstGeom>
           <a:ln w="38100" cmpd="sng">
             <a:solidFill>
-              <a:srgbClr val="FF6600"/>
+              <a:srgbClr val="FF0000"/>
             </a:solidFill>
             <a:tailEnd type="none"/>
           </a:ln>
@@ -19910,7 +19890,7 @@
           </a:prstGeom>
           <a:ln w="38100" cmpd="sng">
             <a:solidFill>
-              <a:srgbClr val="FF6600"/>
+              <a:srgbClr val="FF0000"/>
             </a:solidFill>
             <a:tailEnd type="none"/>
           </a:ln>
@@ -19983,7 +19963,7 @@
           </a:prstGeom>
           <a:ln w="38100" cmpd="sng">
             <a:solidFill>
-              <a:srgbClr val="FF6600"/>
+              <a:srgbClr val="FF0000"/>
             </a:solidFill>
             <a:tailEnd type="none"/>
           </a:ln>
@@ -20129,7 +20109,7 @@
           </a:prstGeom>
           <a:ln w="38100" cmpd="sng">
             <a:solidFill>
-              <a:srgbClr val="FF6600"/>
+              <a:srgbClr val="FF0000"/>
             </a:solidFill>
             <a:tailEnd type="none"/>
           </a:ln>
@@ -20203,7 +20183,7 @@
           </a:prstGeom>
           <a:ln w="38100" cmpd="sng">
             <a:solidFill>
-              <a:srgbClr val="FF0000"/>
+              <a:srgbClr val="00C002"/>
             </a:solidFill>
             <a:tailEnd type="none"/>
           </a:ln>
@@ -20276,7 +20256,7 @@
           </a:prstGeom>
           <a:ln>
             <a:solidFill>
-              <a:srgbClr val="FF0000"/>
+              <a:srgbClr val="00C002"/>
             </a:solidFill>
             <a:tailEnd type="none"/>
           </a:ln>
@@ -20427,7 +20407,7 @@
           </a:prstGeom>
           <a:ln w="38100" cmpd="sng">
             <a:solidFill>
-              <a:srgbClr val="FF0000"/>
+              <a:srgbClr val="00C002"/>
             </a:solidFill>
             <a:tailEnd type="none"/>
           </a:ln>
@@ -20500,7 +20480,7 @@
           </a:prstGeom>
           <a:ln w="38100" cmpd="sng">
             <a:solidFill>
-              <a:srgbClr val="FF0000"/>
+              <a:srgbClr val="00C002"/>
             </a:solidFill>
             <a:tailEnd type="none"/>
           </a:ln>
@@ -20783,7 +20763,7 @@
           <p:nvPr>
             <p:extLst>
               <p:ext uri="{D42A27DB-BD31-4B8C-83A1-F6EECF244321}">
-                <p14:modId xmlns:p14="http://schemas.microsoft.com/office/powerpoint/2010/main" val="2606035877"/>
+                <p14:modId xmlns:p14="http://schemas.microsoft.com/office/powerpoint/2010/main" val="3021528749"/>
               </p:ext>
             </p:extLst>
           </p:nvPr>
@@ -20951,14 +20931,9 @@
                       <a:headEnd type="none" w="med" len="med"/>
                       <a:tailEnd type="none" w="med" len="med"/>
                     </a:lnB>
-                    <a:pattFill prst="pct5">
-                      <a:fgClr>
-                        <a:schemeClr val="tx1"/>
-                      </a:fgClr>
-                      <a:bgClr>
-                        <a:schemeClr val="accent1"/>
-                      </a:bgClr>
-                    </a:pattFill>
+                    <a:solidFill>
+                      <a:srgbClr val="558ED1"/>
+                    </a:solidFill>
                   </a:tcPr>
                 </a:tc>
                 <a:tc>
@@ -21011,14 +20986,9 @@
                       <a:headEnd type="none" w="med" len="med"/>
                       <a:tailEnd type="none" w="med" len="med"/>
                     </a:lnB>
-                    <a:pattFill prst="ltUpDiag">
-                      <a:fgClr>
-                        <a:schemeClr val="tx1"/>
-                      </a:fgClr>
-                      <a:bgClr>
-                        <a:srgbClr val="FFFF00"/>
-                      </a:bgClr>
-                    </a:pattFill>
+                    <a:solidFill>
+                      <a:srgbClr val="FFFF00"/>
+                    </a:solidFill>
                   </a:tcPr>
                 </a:tc>
                 <a:tc>
@@ -21071,14 +21041,9 @@
                       <a:headEnd type="none" w="med" len="med"/>
                       <a:tailEnd type="none" w="med" len="med"/>
                     </a:lnB>
-                    <a:pattFill prst="divot">
-                      <a:fgClr>
-                        <a:schemeClr val="tx1"/>
-                      </a:fgClr>
-                      <a:bgClr>
-                        <a:srgbClr val="FF6600"/>
-                      </a:bgClr>
-                    </a:pattFill>
+                    <a:solidFill>
+                      <a:srgbClr val="FF0000"/>
+                    </a:solidFill>
                   </a:tcPr>
                 </a:tc>
                 <a:tc>
@@ -21131,14 +21096,9 @@
                       <a:headEnd type="none" w="med" len="med"/>
                       <a:tailEnd type="none" w="med" len="med"/>
                     </a:lnB>
-                    <a:pattFill prst="pct50">
-                      <a:fgClr>
-                        <a:schemeClr val="tx1"/>
-                      </a:fgClr>
-                      <a:bgClr>
-                        <a:srgbClr val="FF0000"/>
-                      </a:bgClr>
-                    </a:pattFill>
+                    <a:solidFill>
+                      <a:srgbClr val="00C002"/>
+                    </a:solidFill>
                   </a:tcPr>
                 </a:tc>
               </a:tr>
@@ -21404,7 +21364,7 @@
           <p:nvPr>
             <p:extLst>
               <p:ext uri="{D42A27DB-BD31-4B8C-83A1-F6EECF244321}">
-                <p14:modId xmlns:p14="http://schemas.microsoft.com/office/powerpoint/2010/main" val="1769150585"/>
+                <p14:modId xmlns:p14="http://schemas.microsoft.com/office/powerpoint/2010/main" val="1656404488"/>
               </p:ext>
             </p:extLst>
           </p:nvPr>
@@ -21789,14 +21749,9 @@
                     </a:p>
                   </a:txBody>
                   <a:tcPr marL="69151" marR="69151" marT="34576" marB="34576" anchor="ctr">
-                    <a:pattFill prst="pct5">
-                      <a:fgClr>
-                        <a:schemeClr val="tx1"/>
-                      </a:fgClr>
-                      <a:bgClr>
-                        <a:schemeClr val="accent1"/>
-                      </a:bgClr>
-                    </a:pattFill>
+                    <a:solidFill>
+                      <a:srgbClr val="558ED1"/>
+                    </a:solidFill>
                   </a:tcPr>
                 </a:tc>
                 <a:tc rowSpan="3" hMerge="1">
@@ -21863,14 +21818,9 @@
                     </a:p>
                   </a:txBody>
                   <a:tcPr marL="69151" marR="69151" marT="34576" marB="34576" anchor="ctr">
-                    <a:pattFill prst="divot">
-                      <a:fgClr>
-                        <a:schemeClr val="tx1"/>
-                      </a:fgClr>
-                      <a:bgClr>
-                        <a:srgbClr val="FF6600"/>
-                      </a:bgClr>
-                    </a:pattFill>
+                    <a:solidFill>
+                      <a:srgbClr val="FF0000"/>
+                    </a:solidFill>
                   </a:tcPr>
                 </a:tc>
                 <a:tc rowSpan="3" hMerge="1">
@@ -22225,14 +22175,9 @@
                     </a:p>
                   </a:txBody>
                   <a:tcPr marL="69151" marR="69151" marT="34576" marB="34576" anchor="ctr">
-                    <a:pattFill prst="ltUpDiag">
-                      <a:fgClr>
-                        <a:schemeClr val="tx1"/>
-                      </a:fgClr>
-                      <a:bgClr>
-                        <a:srgbClr val="FFFF00"/>
-                      </a:bgClr>
-                    </a:pattFill>
+                    <a:solidFill>
+                      <a:srgbClr val="FFFF00"/>
+                    </a:solidFill>
                   </a:tcPr>
                 </a:tc>
                 <a:tc rowSpan="3" hMerge="1">
@@ -22299,14 +22244,9 @@
                     </a:p>
                   </a:txBody>
                   <a:tcPr marL="69151" marR="69151" marT="34576" marB="34576" anchor="ctr">
-                    <a:pattFill prst="pct50">
-                      <a:fgClr>
-                        <a:schemeClr val="tx1"/>
-                      </a:fgClr>
-                      <a:bgClr>
-                        <a:srgbClr val="FF0000"/>
-                      </a:bgClr>
-                    </a:pattFill>
+                    <a:solidFill>
+                      <a:srgbClr val="00C002"/>
+                    </a:solidFill>
                   </a:tcPr>
                 </a:tc>
                 <a:tc rowSpan="3" hMerge="1">
@@ -23856,7 +23796,7 @@
           </a:prstGeom>
           <a:ln w="38100" cmpd="sng">
             <a:solidFill>
-              <a:srgbClr val="FF0000"/>
+              <a:srgbClr val="00C002"/>
             </a:solidFill>
             <a:tailEnd type="none"/>
           </a:ln>
@@ -23929,7 +23869,7 @@
           </a:prstGeom>
           <a:ln>
             <a:solidFill>
-              <a:srgbClr val="FF6600"/>
+              <a:srgbClr val="FF0000"/>
             </a:solidFill>
             <a:tailEnd type="none"/>
           </a:ln>
@@ -24080,7 +24020,7 @@
           </a:prstGeom>
           <a:ln w="38100" cmpd="sng">
             <a:solidFill>
-              <a:srgbClr val="FF6600"/>
+              <a:srgbClr val="FF0000"/>
             </a:solidFill>
             <a:tailEnd type="none"/>
           </a:ln>
@@ -24153,7 +24093,7 @@
           </a:prstGeom>
           <a:ln w="38100" cmpd="sng">
             <a:solidFill>
-              <a:srgbClr val="FF6600"/>
+              <a:srgbClr val="FF0000"/>
             </a:solidFill>
             <a:tailEnd type="none"/>
           </a:ln>
